--- a/figures/figures.pptx
+++ b/figures/figures.pptx
@@ -7,6 +7,9 @@
   <p:sldIdLst>
     <p:sldId id="256" r:id="rId2"/>
     <p:sldId id="257" r:id="rId3"/>
+    <p:sldId id="258" r:id="rId4"/>
+    <p:sldId id="259" r:id="rId5"/>
+    <p:sldId id="260" r:id="rId6"/>
   </p:sldIdLst>
   <p:sldSz cx="12192000" cy="6858000"/>
   <p:notesSz cx="6858000" cy="9144000"/>
@@ -260,7 +263,7 @@
           <a:p>
             <a:fld id="{54F0A875-2A86-4DEA-AAFE-189334BF2836}" type="datetimeFigureOut">
               <a:rPr lang="en-US" smtClean="0"/>
-              <a:t>1/16/2023</a:t>
+              <a:t>4/8/2023</a:t>
             </a:fld>
             <a:endParaRPr lang="en-US"/>
           </a:p>
@@ -458,7 +461,7 @@
           <a:p>
             <a:fld id="{54F0A875-2A86-4DEA-AAFE-189334BF2836}" type="datetimeFigureOut">
               <a:rPr lang="en-US" smtClean="0"/>
-              <a:t>1/16/2023</a:t>
+              <a:t>4/8/2023</a:t>
             </a:fld>
             <a:endParaRPr lang="en-US"/>
           </a:p>
@@ -666,7 +669,7 @@
           <a:p>
             <a:fld id="{54F0A875-2A86-4DEA-AAFE-189334BF2836}" type="datetimeFigureOut">
               <a:rPr lang="en-US" smtClean="0"/>
-              <a:t>1/16/2023</a:t>
+              <a:t>4/8/2023</a:t>
             </a:fld>
             <a:endParaRPr lang="en-US"/>
           </a:p>
@@ -864,7 +867,7 @@
           <a:p>
             <a:fld id="{54F0A875-2A86-4DEA-AAFE-189334BF2836}" type="datetimeFigureOut">
               <a:rPr lang="en-US" smtClean="0"/>
-              <a:t>1/16/2023</a:t>
+              <a:t>4/8/2023</a:t>
             </a:fld>
             <a:endParaRPr lang="en-US"/>
           </a:p>
@@ -1139,7 +1142,7 @@
           <a:p>
             <a:fld id="{54F0A875-2A86-4DEA-AAFE-189334BF2836}" type="datetimeFigureOut">
               <a:rPr lang="en-US" smtClean="0"/>
-              <a:t>1/16/2023</a:t>
+              <a:t>4/8/2023</a:t>
             </a:fld>
             <a:endParaRPr lang="en-US"/>
           </a:p>
@@ -1404,7 +1407,7 @@
           <a:p>
             <a:fld id="{54F0A875-2A86-4DEA-AAFE-189334BF2836}" type="datetimeFigureOut">
               <a:rPr lang="en-US" smtClean="0"/>
-              <a:t>1/16/2023</a:t>
+              <a:t>4/8/2023</a:t>
             </a:fld>
             <a:endParaRPr lang="en-US"/>
           </a:p>
@@ -1816,7 +1819,7 @@
           <a:p>
             <a:fld id="{54F0A875-2A86-4DEA-AAFE-189334BF2836}" type="datetimeFigureOut">
               <a:rPr lang="en-US" smtClean="0"/>
-              <a:t>1/16/2023</a:t>
+              <a:t>4/8/2023</a:t>
             </a:fld>
             <a:endParaRPr lang="en-US"/>
           </a:p>
@@ -1957,7 +1960,7 @@
           <a:p>
             <a:fld id="{54F0A875-2A86-4DEA-AAFE-189334BF2836}" type="datetimeFigureOut">
               <a:rPr lang="en-US" smtClean="0"/>
-              <a:t>1/16/2023</a:t>
+              <a:t>4/8/2023</a:t>
             </a:fld>
             <a:endParaRPr lang="en-US"/>
           </a:p>
@@ -2070,7 +2073,7 @@
           <a:p>
             <a:fld id="{54F0A875-2A86-4DEA-AAFE-189334BF2836}" type="datetimeFigureOut">
               <a:rPr lang="en-US" smtClean="0"/>
-              <a:t>1/16/2023</a:t>
+              <a:t>4/8/2023</a:t>
             </a:fld>
             <a:endParaRPr lang="en-US"/>
           </a:p>
@@ -2381,7 +2384,7 @@
           <a:p>
             <a:fld id="{54F0A875-2A86-4DEA-AAFE-189334BF2836}" type="datetimeFigureOut">
               <a:rPr lang="en-US" smtClean="0"/>
-              <a:t>1/16/2023</a:t>
+              <a:t>4/8/2023</a:t>
             </a:fld>
             <a:endParaRPr lang="en-US"/>
           </a:p>
@@ -2669,7 +2672,7 @@
           <a:p>
             <a:fld id="{54F0A875-2A86-4DEA-AAFE-189334BF2836}" type="datetimeFigureOut">
               <a:rPr lang="en-US" smtClean="0"/>
-              <a:t>1/16/2023</a:t>
+              <a:t>4/8/2023</a:t>
             </a:fld>
             <a:endParaRPr lang="en-US"/>
           </a:p>
@@ -2910,7 +2913,7 @@
           <a:p>
             <a:fld id="{54F0A875-2A86-4DEA-AAFE-189334BF2836}" type="datetimeFigureOut">
               <a:rPr lang="en-US" smtClean="0"/>
-              <a:t>1/16/2023</a:t>
+              <a:t>4/8/2023</a:t>
             </a:fld>
             <a:endParaRPr lang="en-US"/>
           </a:p>
@@ -3514,6 +3517,4580 @@
 </p:sld>
 </file>
 
+<file path=ppt/slides/slide3.xml><?xml version="1.0" encoding="utf-8"?>
+<p:sld xmlns:a="http://schemas.openxmlformats.org/drawingml/2006/main" xmlns:r="http://schemas.openxmlformats.org/officeDocument/2006/relationships" xmlns:p="http://schemas.openxmlformats.org/presentationml/2006/main">
+  <p:cSld>
+    <p:spTree>
+      <p:nvGrpSpPr>
+        <p:cNvPr id="1" name=""/>
+        <p:cNvGrpSpPr/>
+        <p:nvPr/>
+      </p:nvGrpSpPr>
+      <p:grpSpPr>
+        <a:xfrm>
+          <a:off x="0" y="0"/>
+          <a:ext cx="0" cy="0"/>
+          <a:chOff x="0" y="0"/>
+          <a:chExt cx="0" cy="0"/>
+        </a:xfrm>
+      </p:grpSpPr>
+      <p:cxnSp>
+        <p:nvCxnSpPr>
+          <p:cNvPr id="5" name="Straight Connector 4">
+            <a:extLst>
+              <a:ext uri="{FF2B5EF4-FFF2-40B4-BE49-F238E27FC236}">
+                <a16:creationId xmlns:a16="http://schemas.microsoft.com/office/drawing/2014/main" id="{D5F1DADB-B6FB-0993-57C1-5809C2ECC3DC}"/>
+              </a:ext>
+            </a:extLst>
+          </p:cNvPr>
+          <p:cNvCxnSpPr/>
+          <p:nvPr/>
+        </p:nvCxnSpPr>
+        <p:spPr>
+          <a:xfrm>
+            <a:off x="1931437" y="1074912"/>
+            <a:ext cx="0" cy="1530220"/>
+          </a:xfrm>
+          <a:prstGeom prst="line">
+            <a:avLst/>
+          </a:prstGeom>
+          <a:ln w="28575">
+            <a:solidFill>
+              <a:schemeClr val="tx1"/>
+            </a:solidFill>
+          </a:ln>
+        </p:spPr>
+        <p:style>
+          <a:lnRef idx="1">
+            <a:schemeClr val="accent1"/>
+          </a:lnRef>
+          <a:fillRef idx="0">
+            <a:schemeClr val="accent1"/>
+          </a:fillRef>
+          <a:effectRef idx="0">
+            <a:schemeClr val="accent1"/>
+          </a:effectRef>
+          <a:fontRef idx="minor">
+            <a:schemeClr val="tx1"/>
+          </a:fontRef>
+        </p:style>
+      </p:cxnSp>
+      <p:cxnSp>
+        <p:nvCxnSpPr>
+          <p:cNvPr id="6" name="Straight Connector 5">
+            <a:extLst>
+              <a:ext uri="{FF2B5EF4-FFF2-40B4-BE49-F238E27FC236}">
+                <a16:creationId xmlns:a16="http://schemas.microsoft.com/office/drawing/2014/main" id="{CCBC2409-1ACF-F91E-B46A-0F22F4CB2844}"/>
+              </a:ext>
+            </a:extLst>
+          </p:cNvPr>
+          <p:cNvCxnSpPr/>
+          <p:nvPr/>
+        </p:nvCxnSpPr>
+        <p:spPr>
+          <a:xfrm>
+            <a:off x="3334139" y="1074912"/>
+            <a:ext cx="0" cy="1530220"/>
+          </a:xfrm>
+          <a:prstGeom prst="line">
+            <a:avLst/>
+          </a:prstGeom>
+          <a:ln w="28575">
+            <a:solidFill>
+              <a:schemeClr val="tx1"/>
+            </a:solidFill>
+          </a:ln>
+        </p:spPr>
+        <p:style>
+          <a:lnRef idx="1">
+            <a:schemeClr val="accent1"/>
+          </a:lnRef>
+          <a:fillRef idx="0">
+            <a:schemeClr val="accent1"/>
+          </a:fillRef>
+          <a:effectRef idx="0">
+            <a:schemeClr val="accent1"/>
+          </a:effectRef>
+          <a:fontRef idx="minor">
+            <a:schemeClr val="tx1"/>
+          </a:fontRef>
+        </p:style>
+      </p:cxnSp>
+      <p:cxnSp>
+        <p:nvCxnSpPr>
+          <p:cNvPr id="7" name="Straight Connector 6">
+            <a:extLst>
+              <a:ext uri="{FF2B5EF4-FFF2-40B4-BE49-F238E27FC236}">
+                <a16:creationId xmlns:a16="http://schemas.microsoft.com/office/drawing/2014/main" id="{ABF37607-11DF-04A1-C32F-F4A1C2D1542A}"/>
+              </a:ext>
+            </a:extLst>
+          </p:cNvPr>
+          <p:cNvCxnSpPr>
+            <a:cxnSpLocks/>
+          </p:cNvCxnSpPr>
+          <p:nvPr/>
+        </p:nvCxnSpPr>
+        <p:spPr>
+          <a:xfrm>
+            <a:off x="387218" y="2608240"/>
+            <a:ext cx="1544219" cy="0"/>
+          </a:xfrm>
+          <a:prstGeom prst="line">
+            <a:avLst/>
+          </a:prstGeom>
+          <a:ln w="28575">
+            <a:solidFill>
+              <a:schemeClr val="tx1"/>
+            </a:solidFill>
+          </a:ln>
+        </p:spPr>
+        <p:style>
+          <a:lnRef idx="1">
+            <a:schemeClr val="accent1"/>
+          </a:lnRef>
+          <a:fillRef idx="0">
+            <a:schemeClr val="accent1"/>
+          </a:fillRef>
+          <a:effectRef idx="0">
+            <a:schemeClr val="accent1"/>
+          </a:effectRef>
+          <a:fontRef idx="minor">
+            <a:schemeClr val="tx1"/>
+          </a:fontRef>
+        </p:style>
+      </p:cxnSp>
+      <p:cxnSp>
+        <p:nvCxnSpPr>
+          <p:cNvPr id="9" name="Straight Connector 8">
+            <a:extLst>
+              <a:ext uri="{FF2B5EF4-FFF2-40B4-BE49-F238E27FC236}">
+                <a16:creationId xmlns:a16="http://schemas.microsoft.com/office/drawing/2014/main" id="{8B4BA86E-9321-9364-2288-413ADF0D7D56}"/>
+              </a:ext>
+            </a:extLst>
+          </p:cNvPr>
+          <p:cNvCxnSpPr>
+            <a:cxnSpLocks/>
+          </p:cNvCxnSpPr>
+          <p:nvPr/>
+        </p:nvCxnSpPr>
+        <p:spPr>
+          <a:xfrm>
+            <a:off x="387218" y="4057595"/>
+            <a:ext cx="1534888" cy="0"/>
+          </a:xfrm>
+          <a:prstGeom prst="line">
+            <a:avLst/>
+          </a:prstGeom>
+          <a:ln w="28575">
+            <a:solidFill>
+              <a:schemeClr val="tx1"/>
+            </a:solidFill>
+          </a:ln>
+        </p:spPr>
+        <p:style>
+          <a:lnRef idx="1">
+            <a:schemeClr val="accent1"/>
+          </a:lnRef>
+          <a:fillRef idx="0">
+            <a:schemeClr val="accent1"/>
+          </a:fillRef>
+          <a:effectRef idx="0">
+            <a:schemeClr val="accent1"/>
+          </a:effectRef>
+          <a:fontRef idx="minor">
+            <a:schemeClr val="tx1"/>
+          </a:fontRef>
+        </p:style>
+      </p:cxnSp>
+      <p:cxnSp>
+        <p:nvCxnSpPr>
+          <p:cNvPr id="11" name="Straight Connector 10">
+            <a:extLst>
+              <a:ext uri="{FF2B5EF4-FFF2-40B4-BE49-F238E27FC236}">
+                <a16:creationId xmlns:a16="http://schemas.microsoft.com/office/drawing/2014/main" id="{B04C8BD3-8DAA-B431-264D-6F45FC2A9C3C}"/>
+              </a:ext>
+            </a:extLst>
+          </p:cNvPr>
+          <p:cNvCxnSpPr/>
+          <p:nvPr/>
+        </p:nvCxnSpPr>
+        <p:spPr>
+          <a:xfrm>
+            <a:off x="1931437" y="4057595"/>
+            <a:ext cx="0" cy="1530220"/>
+          </a:xfrm>
+          <a:prstGeom prst="line">
+            <a:avLst/>
+          </a:prstGeom>
+          <a:ln w="28575">
+            <a:solidFill>
+              <a:schemeClr val="tx1"/>
+            </a:solidFill>
+          </a:ln>
+        </p:spPr>
+        <p:style>
+          <a:lnRef idx="1">
+            <a:schemeClr val="accent1"/>
+          </a:lnRef>
+          <a:fillRef idx="0">
+            <a:schemeClr val="accent1"/>
+          </a:fillRef>
+          <a:effectRef idx="0">
+            <a:schemeClr val="accent1"/>
+          </a:effectRef>
+          <a:fontRef idx="minor">
+            <a:schemeClr val="tx1"/>
+          </a:fontRef>
+        </p:style>
+      </p:cxnSp>
+      <p:cxnSp>
+        <p:nvCxnSpPr>
+          <p:cNvPr id="12" name="Straight Connector 11">
+            <a:extLst>
+              <a:ext uri="{FF2B5EF4-FFF2-40B4-BE49-F238E27FC236}">
+                <a16:creationId xmlns:a16="http://schemas.microsoft.com/office/drawing/2014/main" id="{E3DF921F-23BD-488B-A9D0-350EBEE09B57}"/>
+              </a:ext>
+            </a:extLst>
+          </p:cNvPr>
+          <p:cNvCxnSpPr/>
+          <p:nvPr/>
+        </p:nvCxnSpPr>
+        <p:spPr>
+          <a:xfrm>
+            <a:off x="3334139" y="4057595"/>
+            <a:ext cx="0" cy="1530220"/>
+          </a:xfrm>
+          <a:prstGeom prst="line">
+            <a:avLst/>
+          </a:prstGeom>
+          <a:ln w="28575">
+            <a:solidFill>
+              <a:schemeClr val="tx1"/>
+            </a:solidFill>
+          </a:ln>
+        </p:spPr>
+        <p:style>
+          <a:lnRef idx="1">
+            <a:schemeClr val="accent1"/>
+          </a:lnRef>
+          <a:fillRef idx="0">
+            <a:schemeClr val="accent1"/>
+          </a:fillRef>
+          <a:effectRef idx="0">
+            <a:schemeClr val="accent1"/>
+          </a:effectRef>
+          <a:fontRef idx="minor">
+            <a:schemeClr val="tx1"/>
+          </a:fontRef>
+        </p:style>
+      </p:cxnSp>
+      <p:cxnSp>
+        <p:nvCxnSpPr>
+          <p:cNvPr id="13" name="Straight Connector 12">
+            <a:extLst>
+              <a:ext uri="{FF2B5EF4-FFF2-40B4-BE49-F238E27FC236}">
+                <a16:creationId xmlns:a16="http://schemas.microsoft.com/office/drawing/2014/main" id="{50B5C808-EE47-8B5E-7D66-345E542AE4C9}"/>
+              </a:ext>
+            </a:extLst>
+          </p:cNvPr>
+          <p:cNvCxnSpPr>
+            <a:cxnSpLocks/>
+          </p:cNvCxnSpPr>
+          <p:nvPr/>
+        </p:nvCxnSpPr>
+        <p:spPr>
+          <a:xfrm>
+            <a:off x="3334139" y="2605132"/>
+            <a:ext cx="1520890" cy="0"/>
+          </a:xfrm>
+          <a:prstGeom prst="line">
+            <a:avLst/>
+          </a:prstGeom>
+          <a:ln w="28575">
+            <a:solidFill>
+              <a:schemeClr val="tx1"/>
+            </a:solidFill>
+          </a:ln>
+        </p:spPr>
+        <p:style>
+          <a:lnRef idx="1">
+            <a:schemeClr val="accent1"/>
+          </a:lnRef>
+          <a:fillRef idx="0">
+            <a:schemeClr val="accent1"/>
+          </a:fillRef>
+          <a:effectRef idx="0">
+            <a:schemeClr val="accent1"/>
+          </a:effectRef>
+          <a:fontRef idx="minor">
+            <a:schemeClr val="tx1"/>
+          </a:fontRef>
+        </p:style>
+      </p:cxnSp>
+      <p:cxnSp>
+        <p:nvCxnSpPr>
+          <p:cNvPr id="14" name="Straight Connector 13">
+            <a:extLst>
+              <a:ext uri="{FF2B5EF4-FFF2-40B4-BE49-F238E27FC236}">
+                <a16:creationId xmlns:a16="http://schemas.microsoft.com/office/drawing/2014/main" id="{E1951F42-78D5-D1BD-C624-81FD7E525167}"/>
+              </a:ext>
+            </a:extLst>
+          </p:cNvPr>
+          <p:cNvCxnSpPr>
+            <a:cxnSpLocks/>
+          </p:cNvCxnSpPr>
+          <p:nvPr/>
+        </p:nvCxnSpPr>
+        <p:spPr>
+          <a:xfrm>
+            <a:off x="3324808" y="4054487"/>
+            <a:ext cx="1611086" cy="0"/>
+          </a:xfrm>
+          <a:prstGeom prst="line">
+            <a:avLst/>
+          </a:prstGeom>
+          <a:ln w="28575">
+            <a:solidFill>
+              <a:schemeClr val="tx1"/>
+            </a:solidFill>
+          </a:ln>
+        </p:spPr>
+        <p:style>
+          <a:lnRef idx="1">
+            <a:schemeClr val="accent1"/>
+          </a:lnRef>
+          <a:fillRef idx="0">
+            <a:schemeClr val="accent1"/>
+          </a:fillRef>
+          <a:effectRef idx="0">
+            <a:schemeClr val="accent1"/>
+          </a:effectRef>
+          <a:fontRef idx="minor">
+            <a:schemeClr val="tx1"/>
+          </a:fontRef>
+        </p:style>
+      </p:cxnSp>
+      <p:cxnSp>
+        <p:nvCxnSpPr>
+          <p:cNvPr id="15" name="Straight Connector 14">
+            <a:extLst>
+              <a:ext uri="{FF2B5EF4-FFF2-40B4-BE49-F238E27FC236}">
+                <a16:creationId xmlns:a16="http://schemas.microsoft.com/office/drawing/2014/main" id="{4F93315B-B43E-8567-868A-F3C91BEDBF53}"/>
+              </a:ext>
+            </a:extLst>
+          </p:cNvPr>
+          <p:cNvCxnSpPr/>
+          <p:nvPr/>
+        </p:nvCxnSpPr>
+        <p:spPr>
+          <a:xfrm>
+            <a:off x="2625012" y="1084243"/>
+            <a:ext cx="0" cy="1530220"/>
+          </a:xfrm>
+          <a:prstGeom prst="line">
+            <a:avLst/>
+          </a:prstGeom>
+          <a:ln w="19050">
+            <a:solidFill>
+              <a:schemeClr val="tx1"/>
+            </a:solidFill>
+          </a:ln>
+        </p:spPr>
+        <p:style>
+          <a:lnRef idx="1">
+            <a:schemeClr val="accent1"/>
+          </a:lnRef>
+          <a:fillRef idx="0">
+            <a:schemeClr val="accent1"/>
+          </a:fillRef>
+          <a:effectRef idx="0">
+            <a:schemeClr val="accent1"/>
+          </a:effectRef>
+          <a:fontRef idx="minor">
+            <a:schemeClr val="tx1"/>
+          </a:fontRef>
+        </p:style>
+      </p:cxnSp>
+      <p:cxnSp>
+        <p:nvCxnSpPr>
+          <p:cNvPr id="16" name="Straight Connector 15">
+            <a:extLst>
+              <a:ext uri="{FF2B5EF4-FFF2-40B4-BE49-F238E27FC236}">
+                <a16:creationId xmlns:a16="http://schemas.microsoft.com/office/drawing/2014/main" id="{C50099B9-A8FB-2923-175F-600A26E49954}"/>
+              </a:ext>
+            </a:extLst>
+          </p:cNvPr>
+          <p:cNvCxnSpPr/>
+          <p:nvPr/>
+        </p:nvCxnSpPr>
+        <p:spPr>
+          <a:xfrm>
+            <a:off x="2161592" y="1084243"/>
+            <a:ext cx="0" cy="1530220"/>
+          </a:xfrm>
+          <a:prstGeom prst="line">
+            <a:avLst/>
+          </a:prstGeom>
+          <a:ln w="19050">
+            <a:solidFill>
+              <a:schemeClr val="tx1"/>
+            </a:solidFill>
+            <a:prstDash val="dash"/>
+          </a:ln>
+        </p:spPr>
+        <p:style>
+          <a:lnRef idx="1">
+            <a:schemeClr val="accent1"/>
+          </a:lnRef>
+          <a:fillRef idx="0">
+            <a:schemeClr val="accent1"/>
+          </a:fillRef>
+          <a:effectRef idx="0">
+            <a:schemeClr val="accent1"/>
+          </a:effectRef>
+          <a:fontRef idx="minor">
+            <a:schemeClr val="tx1"/>
+          </a:fontRef>
+        </p:style>
+      </p:cxnSp>
+      <p:cxnSp>
+        <p:nvCxnSpPr>
+          <p:cNvPr id="17" name="Straight Connector 16">
+            <a:extLst>
+              <a:ext uri="{FF2B5EF4-FFF2-40B4-BE49-F238E27FC236}">
+                <a16:creationId xmlns:a16="http://schemas.microsoft.com/office/drawing/2014/main" id="{B35EAE6D-836C-C2ED-C0F9-D167DADC77CD}"/>
+              </a:ext>
+            </a:extLst>
+          </p:cNvPr>
+          <p:cNvCxnSpPr/>
+          <p:nvPr/>
+        </p:nvCxnSpPr>
+        <p:spPr>
+          <a:xfrm>
+            <a:off x="2388637" y="1084243"/>
+            <a:ext cx="0" cy="1530220"/>
+          </a:xfrm>
+          <a:prstGeom prst="line">
+            <a:avLst/>
+          </a:prstGeom>
+          <a:ln w="19050">
+            <a:solidFill>
+              <a:schemeClr val="tx1"/>
+            </a:solidFill>
+            <a:prstDash val="dash"/>
+          </a:ln>
+        </p:spPr>
+        <p:style>
+          <a:lnRef idx="1">
+            <a:schemeClr val="accent1"/>
+          </a:lnRef>
+          <a:fillRef idx="0">
+            <a:schemeClr val="accent1"/>
+          </a:fillRef>
+          <a:effectRef idx="0">
+            <a:schemeClr val="accent1"/>
+          </a:effectRef>
+          <a:fontRef idx="minor">
+            <a:schemeClr val="tx1"/>
+          </a:fontRef>
+        </p:style>
+      </p:cxnSp>
+      <p:cxnSp>
+        <p:nvCxnSpPr>
+          <p:cNvPr id="21" name="Straight Connector 20">
+            <a:extLst>
+              <a:ext uri="{FF2B5EF4-FFF2-40B4-BE49-F238E27FC236}">
+                <a16:creationId xmlns:a16="http://schemas.microsoft.com/office/drawing/2014/main" id="{86180314-5EF1-9366-7D4B-B56C51AFA858}"/>
+              </a:ext>
+            </a:extLst>
+          </p:cNvPr>
+          <p:cNvCxnSpPr/>
+          <p:nvPr/>
+        </p:nvCxnSpPr>
+        <p:spPr>
+          <a:xfrm>
+            <a:off x="3094653" y="1084243"/>
+            <a:ext cx="0" cy="1530220"/>
+          </a:xfrm>
+          <a:prstGeom prst="line">
+            <a:avLst/>
+          </a:prstGeom>
+          <a:ln w="19050">
+            <a:solidFill>
+              <a:schemeClr val="tx1"/>
+            </a:solidFill>
+            <a:prstDash val="dash"/>
+          </a:ln>
+        </p:spPr>
+        <p:style>
+          <a:lnRef idx="1">
+            <a:schemeClr val="accent1"/>
+          </a:lnRef>
+          <a:fillRef idx="0">
+            <a:schemeClr val="accent1"/>
+          </a:fillRef>
+          <a:effectRef idx="0">
+            <a:schemeClr val="accent1"/>
+          </a:effectRef>
+          <a:fontRef idx="minor">
+            <a:schemeClr val="tx1"/>
+          </a:fontRef>
+        </p:style>
+      </p:cxnSp>
+      <p:cxnSp>
+        <p:nvCxnSpPr>
+          <p:cNvPr id="22" name="Straight Connector 21">
+            <a:extLst>
+              <a:ext uri="{FF2B5EF4-FFF2-40B4-BE49-F238E27FC236}">
+                <a16:creationId xmlns:a16="http://schemas.microsoft.com/office/drawing/2014/main" id="{8E4965B8-38AD-74EF-33BF-E55E37D226CB}"/>
+              </a:ext>
+            </a:extLst>
+          </p:cNvPr>
+          <p:cNvCxnSpPr/>
+          <p:nvPr/>
+        </p:nvCxnSpPr>
+        <p:spPr>
+          <a:xfrm>
+            <a:off x="2858278" y="1084243"/>
+            <a:ext cx="0" cy="1530220"/>
+          </a:xfrm>
+          <a:prstGeom prst="line">
+            <a:avLst/>
+          </a:prstGeom>
+          <a:ln w="19050">
+            <a:solidFill>
+              <a:schemeClr val="tx1"/>
+            </a:solidFill>
+            <a:prstDash val="dash"/>
+          </a:ln>
+        </p:spPr>
+        <p:style>
+          <a:lnRef idx="1">
+            <a:schemeClr val="accent1"/>
+          </a:lnRef>
+          <a:fillRef idx="0">
+            <a:schemeClr val="accent1"/>
+          </a:fillRef>
+          <a:effectRef idx="0">
+            <a:schemeClr val="accent1"/>
+          </a:effectRef>
+          <a:fontRef idx="minor">
+            <a:schemeClr val="tx1"/>
+          </a:fontRef>
+        </p:style>
+      </p:cxnSp>
+      <p:cxnSp>
+        <p:nvCxnSpPr>
+          <p:cNvPr id="23" name="Straight Connector 22">
+            <a:extLst>
+              <a:ext uri="{FF2B5EF4-FFF2-40B4-BE49-F238E27FC236}">
+                <a16:creationId xmlns:a16="http://schemas.microsoft.com/office/drawing/2014/main" id="{0437D369-E0B7-E6BA-4A40-0FF743E91007}"/>
+              </a:ext>
+            </a:extLst>
+          </p:cNvPr>
+          <p:cNvCxnSpPr/>
+          <p:nvPr/>
+        </p:nvCxnSpPr>
+        <p:spPr>
+          <a:xfrm>
+            <a:off x="2625012" y="4057595"/>
+            <a:ext cx="0" cy="1530220"/>
+          </a:xfrm>
+          <a:prstGeom prst="line">
+            <a:avLst/>
+          </a:prstGeom>
+          <a:ln w="19050">
+            <a:solidFill>
+              <a:schemeClr val="tx1"/>
+            </a:solidFill>
+          </a:ln>
+        </p:spPr>
+        <p:style>
+          <a:lnRef idx="1">
+            <a:schemeClr val="accent1"/>
+          </a:lnRef>
+          <a:fillRef idx="0">
+            <a:schemeClr val="accent1"/>
+          </a:fillRef>
+          <a:effectRef idx="0">
+            <a:schemeClr val="accent1"/>
+          </a:effectRef>
+          <a:fontRef idx="minor">
+            <a:schemeClr val="tx1"/>
+          </a:fontRef>
+        </p:style>
+      </p:cxnSp>
+      <p:cxnSp>
+        <p:nvCxnSpPr>
+          <p:cNvPr id="24" name="Straight Connector 23">
+            <a:extLst>
+              <a:ext uri="{FF2B5EF4-FFF2-40B4-BE49-F238E27FC236}">
+                <a16:creationId xmlns:a16="http://schemas.microsoft.com/office/drawing/2014/main" id="{C6DF9AAB-9FB3-713E-6758-21632182EC98}"/>
+              </a:ext>
+            </a:extLst>
+          </p:cNvPr>
+          <p:cNvCxnSpPr/>
+          <p:nvPr/>
+        </p:nvCxnSpPr>
+        <p:spPr>
+          <a:xfrm>
+            <a:off x="2161592" y="4057595"/>
+            <a:ext cx="0" cy="1530220"/>
+          </a:xfrm>
+          <a:prstGeom prst="line">
+            <a:avLst/>
+          </a:prstGeom>
+          <a:ln w="19050">
+            <a:solidFill>
+              <a:schemeClr val="tx1"/>
+            </a:solidFill>
+            <a:prstDash val="dash"/>
+          </a:ln>
+        </p:spPr>
+        <p:style>
+          <a:lnRef idx="1">
+            <a:schemeClr val="accent1"/>
+          </a:lnRef>
+          <a:fillRef idx="0">
+            <a:schemeClr val="accent1"/>
+          </a:fillRef>
+          <a:effectRef idx="0">
+            <a:schemeClr val="accent1"/>
+          </a:effectRef>
+          <a:fontRef idx="minor">
+            <a:schemeClr val="tx1"/>
+          </a:fontRef>
+        </p:style>
+      </p:cxnSp>
+      <p:cxnSp>
+        <p:nvCxnSpPr>
+          <p:cNvPr id="25" name="Straight Connector 24">
+            <a:extLst>
+              <a:ext uri="{FF2B5EF4-FFF2-40B4-BE49-F238E27FC236}">
+                <a16:creationId xmlns:a16="http://schemas.microsoft.com/office/drawing/2014/main" id="{614DB058-7567-C448-7926-02916CCFF12C}"/>
+              </a:ext>
+            </a:extLst>
+          </p:cNvPr>
+          <p:cNvCxnSpPr/>
+          <p:nvPr/>
+        </p:nvCxnSpPr>
+        <p:spPr>
+          <a:xfrm>
+            <a:off x="2388637" y="4057595"/>
+            <a:ext cx="0" cy="1530220"/>
+          </a:xfrm>
+          <a:prstGeom prst="line">
+            <a:avLst/>
+          </a:prstGeom>
+          <a:ln w="19050">
+            <a:solidFill>
+              <a:schemeClr val="tx1"/>
+            </a:solidFill>
+            <a:prstDash val="dash"/>
+          </a:ln>
+        </p:spPr>
+        <p:style>
+          <a:lnRef idx="1">
+            <a:schemeClr val="accent1"/>
+          </a:lnRef>
+          <a:fillRef idx="0">
+            <a:schemeClr val="accent1"/>
+          </a:fillRef>
+          <a:effectRef idx="0">
+            <a:schemeClr val="accent1"/>
+          </a:effectRef>
+          <a:fontRef idx="minor">
+            <a:schemeClr val="tx1"/>
+          </a:fontRef>
+        </p:style>
+      </p:cxnSp>
+      <p:cxnSp>
+        <p:nvCxnSpPr>
+          <p:cNvPr id="26" name="Straight Connector 25">
+            <a:extLst>
+              <a:ext uri="{FF2B5EF4-FFF2-40B4-BE49-F238E27FC236}">
+                <a16:creationId xmlns:a16="http://schemas.microsoft.com/office/drawing/2014/main" id="{56CF40E2-285E-0D28-50C8-B15AD0E313DE}"/>
+              </a:ext>
+            </a:extLst>
+          </p:cNvPr>
+          <p:cNvCxnSpPr/>
+          <p:nvPr/>
+        </p:nvCxnSpPr>
+        <p:spPr>
+          <a:xfrm>
+            <a:off x="3094653" y="4057595"/>
+            <a:ext cx="0" cy="1530220"/>
+          </a:xfrm>
+          <a:prstGeom prst="line">
+            <a:avLst/>
+          </a:prstGeom>
+          <a:ln w="19050">
+            <a:solidFill>
+              <a:schemeClr val="tx1"/>
+            </a:solidFill>
+            <a:prstDash val="dash"/>
+          </a:ln>
+        </p:spPr>
+        <p:style>
+          <a:lnRef idx="1">
+            <a:schemeClr val="accent1"/>
+          </a:lnRef>
+          <a:fillRef idx="0">
+            <a:schemeClr val="accent1"/>
+          </a:fillRef>
+          <a:effectRef idx="0">
+            <a:schemeClr val="accent1"/>
+          </a:effectRef>
+          <a:fontRef idx="minor">
+            <a:schemeClr val="tx1"/>
+          </a:fontRef>
+        </p:style>
+      </p:cxnSp>
+      <p:cxnSp>
+        <p:nvCxnSpPr>
+          <p:cNvPr id="27" name="Straight Connector 26">
+            <a:extLst>
+              <a:ext uri="{FF2B5EF4-FFF2-40B4-BE49-F238E27FC236}">
+                <a16:creationId xmlns:a16="http://schemas.microsoft.com/office/drawing/2014/main" id="{BE88BAF5-8074-7E0E-05B0-D589226556C5}"/>
+              </a:ext>
+            </a:extLst>
+          </p:cNvPr>
+          <p:cNvCxnSpPr/>
+          <p:nvPr/>
+        </p:nvCxnSpPr>
+        <p:spPr>
+          <a:xfrm>
+            <a:off x="2858278" y="4057595"/>
+            <a:ext cx="0" cy="1530220"/>
+          </a:xfrm>
+          <a:prstGeom prst="line">
+            <a:avLst/>
+          </a:prstGeom>
+          <a:ln w="19050">
+            <a:solidFill>
+              <a:schemeClr val="tx1"/>
+            </a:solidFill>
+            <a:prstDash val="dash"/>
+          </a:ln>
+        </p:spPr>
+        <p:style>
+          <a:lnRef idx="1">
+            <a:schemeClr val="accent1"/>
+          </a:lnRef>
+          <a:fillRef idx="0">
+            <a:schemeClr val="accent1"/>
+          </a:fillRef>
+          <a:effectRef idx="0">
+            <a:schemeClr val="accent1"/>
+          </a:effectRef>
+          <a:fontRef idx="minor">
+            <a:schemeClr val="tx1"/>
+          </a:fontRef>
+        </p:style>
+      </p:cxnSp>
+      <p:grpSp>
+        <p:nvGrpSpPr>
+          <p:cNvPr id="38" name="Group 37">
+            <a:extLst>
+              <a:ext uri="{FF2B5EF4-FFF2-40B4-BE49-F238E27FC236}">
+                <a16:creationId xmlns:a16="http://schemas.microsoft.com/office/drawing/2014/main" id="{75A00E58-0589-9558-8A26-83264B01B21A}"/>
+              </a:ext>
+            </a:extLst>
+          </p:cNvPr>
+          <p:cNvGrpSpPr/>
+          <p:nvPr/>
+        </p:nvGrpSpPr>
+        <p:grpSpPr>
+          <a:xfrm rot="16200000">
+            <a:off x="685798" y="2564700"/>
+            <a:ext cx="933061" cy="1530220"/>
+            <a:chOff x="5990254" y="1645298"/>
+            <a:chExt cx="933061" cy="1530220"/>
+          </a:xfrm>
+        </p:grpSpPr>
+        <p:cxnSp>
+          <p:nvCxnSpPr>
+            <p:cNvPr id="28" name="Straight Connector 27">
+              <a:extLst>
+                <a:ext uri="{FF2B5EF4-FFF2-40B4-BE49-F238E27FC236}">
+                  <a16:creationId xmlns:a16="http://schemas.microsoft.com/office/drawing/2014/main" id="{2445460E-1F00-60FA-F649-0DE0A704F906}"/>
+                </a:ext>
+              </a:extLst>
+            </p:cNvPr>
+            <p:cNvCxnSpPr>
+              <a:cxnSpLocks/>
+            </p:cNvCxnSpPr>
+            <p:nvPr/>
+          </p:nvCxnSpPr>
+          <p:spPr>
+            <a:xfrm>
+              <a:off x="6453674" y="1645298"/>
+              <a:ext cx="0" cy="1530220"/>
+            </a:xfrm>
+            <a:prstGeom prst="line">
+              <a:avLst/>
+            </a:prstGeom>
+            <a:ln w="19050">
+              <a:solidFill>
+                <a:schemeClr val="tx1"/>
+              </a:solidFill>
+            </a:ln>
+          </p:spPr>
+          <p:style>
+            <a:lnRef idx="1">
+              <a:schemeClr val="accent1"/>
+            </a:lnRef>
+            <a:fillRef idx="0">
+              <a:schemeClr val="accent1"/>
+            </a:fillRef>
+            <a:effectRef idx="0">
+              <a:schemeClr val="accent1"/>
+            </a:effectRef>
+            <a:fontRef idx="minor">
+              <a:schemeClr val="tx1"/>
+            </a:fontRef>
+          </p:style>
+        </p:cxnSp>
+        <p:cxnSp>
+          <p:nvCxnSpPr>
+            <p:cNvPr id="29" name="Straight Connector 28">
+              <a:extLst>
+                <a:ext uri="{FF2B5EF4-FFF2-40B4-BE49-F238E27FC236}">
+                  <a16:creationId xmlns:a16="http://schemas.microsoft.com/office/drawing/2014/main" id="{FA672EB2-7566-6071-3FC0-92C646B4F4FA}"/>
+                </a:ext>
+              </a:extLst>
+            </p:cNvPr>
+            <p:cNvCxnSpPr>
+              <a:cxnSpLocks/>
+            </p:cNvCxnSpPr>
+            <p:nvPr/>
+          </p:nvCxnSpPr>
+          <p:spPr>
+            <a:xfrm>
+              <a:off x="5990254" y="1645298"/>
+              <a:ext cx="0" cy="1530220"/>
+            </a:xfrm>
+            <a:prstGeom prst="line">
+              <a:avLst/>
+            </a:prstGeom>
+            <a:ln w="19050">
+              <a:solidFill>
+                <a:schemeClr val="tx1"/>
+              </a:solidFill>
+              <a:prstDash val="dash"/>
+            </a:ln>
+          </p:spPr>
+          <p:style>
+            <a:lnRef idx="1">
+              <a:schemeClr val="accent1"/>
+            </a:lnRef>
+            <a:fillRef idx="0">
+              <a:schemeClr val="accent1"/>
+            </a:fillRef>
+            <a:effectRef idx="0">
+              <a:schemeClr val="accent1"/>
+            </a:effectRef>
+            <a:fontRef idx="minor">
+              <a:schemeClr val="tx1"/>
+            </a:fontRef>
+          </p:style>
+        </p:cxnSp>
+        <p:cxnSp>
+          <p:nvCxnSpPr>
+            <p:cNvPr id="30" name="Straight Connector 29">
+              <a:extLst>
+                <a:ext uri="{FF2B5EF4-FFF2-40B4-BE49-F238E27FC236}">
+                  <a16:creationId xmlns:a16="http://schemas.microsoft.com/office/drawing/2014/main" id="{BC12D18A-4068-5B1B-603B-CF933D516927}"/>
+                </a:ext>
+              </a:extLst>
+            </p:cNvPr>
+            <p:cNvCxnSpPr>
+              <a:cxnSpLocks/>
+            </p:cNvCxnSpPr>
+            <p:nvPr/>
+          </p:nvCxnSpPr>
+          <p:spPr>
+            <a:xfrm>
+              <a:off x="6217299" y="1645298"/>
+              <a:ext cx="0" cy="1530220"/>
+            </a:xfrm>
+            <a:prstGeom prst="line">
+              <a:avLst/>
+            </a:prstGeom>
+            <a:ln w="19050">
+              <a:solidFill>
+                <a:schemeClr val="tx1"/>
+              </a:solidFill>
+              <a:prstDash val="dash"/>
+            </a:ln>
+          </p:spPr>
+          <p:style>
+            <a:lnRef idx="1">
+              <a:schemeClr val="accent1"/>
+            </a:lnRef>
+            <a:fillRef idx="0">
+              <a:schemeClr val="accent1"/>
+            </a:fillRef>
+            <a:effectRef idx="0">
+              <a:schemeClr val="accent1"/>
+            </a:effectRef>
+            <a:fontRef idx="minor">
+              <a:schemeClr val="tx1"/>
+            </a:fontRef>
+          </p:style>
+        </p:cxnSp>
+        <p:cxnSp>
+          <p:nvCxnSpPr>
+            <p:cNvPr id="31" name="Straight Connector 30">
+              <a:extLst>
+                <a:ext uri="{FF2B5EF4-FFF2-40B4-BE49-F238E27FC236}">
+                  <a16:creationId xmlns:a16="http://schemas.microsoft.com/office/drawing/2014/main" id="{0ED0765E-6F19-E84F-7AC5-7A9FCCA4E988}"/>
+                </a:ext>
+              </a:extLst>
+            </p:cNvPr>
+            <p:cNvCxnSpPr>
+              <a:cxnSpLocks/>
+            </p:cNvCxnSpPr>
+            <p:nvPr/>
+          </p:nvCxnSpPr>
+          <p:spPr>
+            <a:xfrm>
+              <a:off x="6923315" y="1645298"/>
+              <a:ext cx="0" cy="1530220"/>
+            </a:xfrm>
+            <a:prstGeom prst="line">
+              <a:avLst/>
+            </a:prstGeom>
+            <a:ln w="19050">
+              <a:solidFill>
+                <a:schemeClr val="tx1"/>
+              </a:solidFill>
+              <a:prstDash val="dash"/>
+            </a:ln>
+          </p:spPr>
+          <p:style>
+            <a:lnRef idx="1">
+              <a:schemeClr val="accent1"/>
+            </a:lnRef>
+            <a:fillRef idx="0">
+              <a:schemeClr val="accent1"/>
+            </a:fillRef>
+            <a:effectRef idx="0">
+              <a:schemeClr val="accent1"/>
+            </a:effectRef>
+            <a:fontRef idx="minor">
+              <a:schemeClr val="tx1"/>
+            </a:fontRef>
+          </p:style>
+        </p:cxnSp>
+        <p:cxnSp>
+          <p:nvCxnSpPr>
+            <p:cNvPr id="32" name="Straight Connector 31">
+              <a:extLst>
+                <a:ext uri="{FF2B5EF4-FFF2-40B4-BE49-F238E27FC236}">
+                  <a16:creationId xmlns:a16="http://schemas.microsoft.com/office/drawing/2014/main" id="{9DBA5F42-739D-CB06-2947-AC5DACC08228}"/>
+                </a:ext>
+              </a:extLst>
+            </p:cNvPr>
+            <p:cNvCxnSpPr>
+              <a:cxnSpLocks/>
+            </p:cNvCxnSpPr>
+            <p:nvPr/>
+          </p:nvCxnSpPr>
+          <p:spPr>
+            <a:xfrm>
+              <a:off x="6686940" y="1645298"/>
+              <a:ext cx="0" cy="1530220"/>
+            </a:xfrm>
+            <a:prstGeom prst="line">
+              <a:avLst/>
+            </a:prstGeom>
+            <a:ln w="19050">
+              <a:solidFill>
+                <a:schemeClr val="tx1"/>
+              </a:solidFill>
+              <a:prstDash val="dash"/>
+            </a:ln>
+          </p:spPr>
+          <p:style>
+            <a:lnRef idx="1">
+              <a:schemeClr val="accent1"/>
+            </a:lnRef>
+            <a:fillRef idx="0">
+              <a:schemeClr val="accent1"/>
+            </a:fillRef>
+            <a:effectRef idx="0">
+              <a:schemeClr val="accent1"/>
+            </a:effectRef>
+            <a:fontRef idx="minor">
+              <a:schemeClr val="tx1"/>
+            </a:fontRef>
+          </p:style>
+        </p:cxnSp>
+      </p:grpSp>
+      <p:grpSp>
+        <p:nvGrpSpPr>
+          <p:cNvPr id="42" name="Group 41">
+            <a:extLst>
+              <a:ext uri="{FF2B5EF4-FFF2-40B4-BE49-F238E27FC236}">
+                <a16:creationId xmlns:a16="http://schemas.microsoft.com/office/drawing/2014/main" id="{586B116E-DC31-DD4C-B04B-E8732542AD6D}"/>
+              </a:ext>
+            </a:extLst>
+          </p:cNvPr>
+          <p:cNvGrpSpPr/>
+          <p:nvPr/>
+        </p:nvGrpSpPr>
+        <p:grpSpPr>
+          <a:xfrm rot="16200000">
+            <a:off x="3623388" y="2564699"/>
+            <a:ext cx="933061" cy="1530220"/>
+            <a:chOff x="5990254" y="1645298"/>
+            <a:chExt cx="933061" cy="1530220"/>
+          </a:xfrm>
+        </p:grpSpPr>
+        <p:cxnSp>
+          <p:nvCxnSpPr>
+            <p:cNvPr id="43" name="Straight Connector 42">
+              <a:extLst>
+                <a:ext uri="{FF2B5EF4-FFF2-40B4-BE49-F238E27FC236}">
+                  <a16:creationId xmlns:a16="http://schemas.microsoft.com/office/drawing/2014/main" id="{E587F044-5067-229E-3A05-BDCE2FDE85EF}"/>
+                </a:ext>
+              </a:extLst>
+            </p:cNvPr>
+            <p:cNvCxnSpPr>
+              <a:cxnSpLocks/>
+            </p:cNvCxnSpPr>
+            <p:nvPr/>
+          </p:nvCxnSpPr>
+          <p:spPr>
+            <a:xfrm>
+              <a:off x="6453674" y="1645298"/>
+              <a:ext cx="0" cy="1530220"/>
+            </a:xfrm>
+            <a:prstGeom prst="line">
+              <a:avLst/>
+            </a:prstGeom>
+            <a:ln w="19050">
+              <a:solidFill>
+                <a:schemeClr val="tx1"/>
+              </a:solidFill>
+            </a:ln>
+          </p:spPr>
+          <p:style>
+            <a:lnRef idx="1">
+              <a:schemeClr val="accent1"/>
+            </a:lnRef>
+            <a:fillRef idx="0">
+              <a:schemeClr val="accent1"/>
+            </a:fillRef>
+            <a:effectRef idx="0">
+              <a:schemeClr val="accent1"/>
+            </a:effectRef>
+            <a:fontRef idx="minor">
+              <a:schemeClr val="tx1"/>
+            </a:fontRef>
+          </p:style>
+        </p:cxnSp>
+        <p:cxnSp>
+          <p:nvCxnSpPr>
+            <p:cNvPr id="44" name="Straight Connector 43">
+              <a:extLst>
+                <a:ext uri="{FF2B5EF4-FFF2-40B4-BE49-F238E27FC236}">
+                  <a16:creationId xmlns:a16="http://schemas.microsoft.com/office/drawing/2014/main" id="{D326C0FB-41B5-D2B9-2F6A-FDCC738BC5E1}"/>
+                </a:ext>
+              </a:extLst>
+            </p:cNvPr>
+            <p:cNvCxnSpPr>
+              <a:cxnSpLocks/>
+            </p:cNvCxnSpPr>
+            <p:nvPr/>
+          </p:nvCxnSpPr>
+          <p:spPr>
+            <a:xfrm>
+              <a:off x="5990254" y="1645298"/>
+              <a:ext cx="0" cy="1530220"/>
+            </a:xfrm>
+            <a:prstGeom prst="line">
+              <a:avLst/>
+            </a:prstGeom>
+            <a:ln w="19050">
+              <a:solidFill>
+                <a:schemeClr val="tx1"/>
+              </a:solidFill>
+              <a:prstDash val="dash"/>
+            </a:ln>
+          </p:spPr>
+          <p:style>
+            <a:lnRef idx="1">
+              <a:schemeClr val="accent1"/>
+            </a:lnRef>
+            <a:fillRef idx="0">
+              <a:schemeClr val="accent1"/>
+            </a:fillRef>
+            <a:effectRef idx="0">
+              <a:schemeClr val="accent1"/>
+            </a:effectRef>
+            <a:fontRef idx="minor">
+              <a:schemeClr val="tx1"/>
+            </a:fontRef>
+          </p:style>
+        </p:cxnSp>
+        <p:cxnSp>
+          <p:nvCxnSpPr>
+            <p:cNvPr id="45" name="Straight Connector 44">
+              <a:extLst>
+                <a:ext uri="{FF2B5EF4-FFF2-40B4-BE49-F238E27FC236}">
+                  <a16:creationId xmlns:a16="http://schemas.microsoft.com/office/drawing/2014/main" id="{3D039B7C-611C-7AB2-E5C2-DA50EC65BB0C}"/>
+                </a:ext>
+              </a:extLst>
+            </p:cNvPr>
+            <p:cNvCxnSpPr>
+              <a:cxnSpLocks/>
+            </p:cNvCxnSpPr>
+            <p:nvPr/>
+          </p:nvCxnSpPr>
+          <p:spPr>
+            <a:xfrm>
+              <a:off x="6217299" y="1645298"/>
+              <a:ext cx="0" cy="1530220"/>
+            </a:xfrm>
+            <a:prstGeom prst="line">
+              <a:avLst/>
+            </a:prstGeom>
+            <a:ln w="19050">
+              <a:solidFill>
+                <a:schemeClr val="tx1"/>
+              </a:solidFill>
+              <a:prstDash val="dash"/>
+            </a:ln>
+          </p:spPr>
+          <p:style>
+            <a:lnRef idx="1">
+              <a:schemeClr val="accent1"/>
+            </a:lnRef>
+            <a:fillRef idx="0">
+              <a:schemeClr val="accent1"/>
+            </a:fillRef>
+            <a:effectRef idx="0">
+              <a:schemeClr val="accent1"/>
+            </a:effectRef>
+            <a:fontRef idx="minor">
+              <a:schemeClr val="tx1"/>
+            </a:fontRef>
+          </p:style>
+        </p:cxnSp>
+        <p:cxnSp>
+          <p:nvCxnSpPr>
+            <p:cNvPr id="46" name="Straight Connector 45">
+              <a:extLst>
+                <a:ext uri="{FF2B5EF4-FFF2-40B4-BE49-F238E27FC236}">
+                  <a16:creationId xmlns:a16="http://schemas.microsoft.com/office/drawing/2014/main" id="{5B5C30EB-D4CD-F97F-D09A-1C975EA6D4D7}"/>
+                </a:ext>
+              </a:extLst>
+            </p:cNvPr>
+            <p:cNvCxnSpPr>
+              <a:cxnSpLocks/>
+            </p:cNvCxnSpPr>
+            <p:nvPr/>
+          </p:nvCxnSpPr>
+          <p:spPr>
+            <a:xfrm>
+              <a:off x="6923315" y="1645298"/>
+              <a:ext cx="0" cy="1530220"/>
+            </a:xfrm>
+            <a:prstGeom prst="line">
+              <a:avLst/>
+            </a:prstGeom>
+            <a:ln w="19050">
+              <a:solidFill>
+                <a:schemeClr val="tx1"/>
+              </a:solidFill>
+              <a:prstDash val="dash"/>
+            </a:ln>
+          </p:spPr>
+          <p:style>
+            <a:lnRef idx="1">
+              <a:schemeClr val="accent1"/>
+            </a:lnRef>
+            <a:fillRef idx="0">
+              <a:schemeClr val="accent1"/>
+            </a:fillRef>
+            <a:effectRef idx="0">
+              <a:schemeClr val="accent1"/>
+            </a:effectRef>
+            <a:fontRef idx="minor">
+              <a:schemeClr val="tx1"/>
+            </a:fontRef>
+          </p:style>
+        </p:cxnSp>
+        <p:cxnSp>
+          <p:nvCxnSpPr>
+            <p:cNvPr id="47" name="Straight Connector 46">
+              <a:extLst>
+                <a:ext uri="{FF2B5EF4-FFF2-40B4-BE49-F238E27FC236}">
+                  <a16:creationId xmlns:a16="http://schemas.microsoft.com/office/drawing/2014/main" id="{3BFF7397-1D42-A3EC-BFA7-13321ED47A08}"/>
+                </a:ext>
+              </a:extLst>
+            </p:cNvPr>
+            <p:cNvCxnSpPr>
+              <a:cxnSpLocks/>
+            </p:cNvCxnSpPr>
+            <p:nvPr/>
+          </p:nvCxnSpPr>
+          <p:spPr>
+            <a:xfrm>
+              <a:off x="6686940" y="1645298"/>
+              <a:ext cx="0" cy="1530220"/>
+            </a:xfrm>
+            <a:prstGeom prst="line">
+              <a:avLst/>
+            </a:prstGeom>
+            <a:ln w="19050">
+              <a:solidFill>
+                <a:schemeClr val="tx1"/>
+              </a:solidFill>
+              <a:prstDash val="dash"/>
+            </a:ln>
+          </p:spPr>
+          <p:style>
+            <a:lnRef idx="1">
+              <a:schemeClr val="accent1"/>
+            </a:lnRef>
+            <a:fillRef idx="0">
+              <a:schemeClr val="accent1"/>
+            </a:fillRef>
+            <a:effectRef idx="0">
+              <a:schemeClr val="accent1"/>
+            </a:effectRef>
+            <a:fontRef idx="minor">
+              <a:schemeClr val="tx1"/>
+            </a:fontRef>
+          </p:style>
+        </p:cxnSp>
+      </p:grpSp>
+      <p:sp>
+        <p:nvSpPr>
+          <p:cNvPr id="50" name="Rectangle 49">
+            <a:extLst>
+              <a:ext uri="{FF2B5EF4-FFF2-40B4-BE49-F238E27FC236}">
+                <a16:creationId xmlns:a16="http://schemas.microsoft.com/office/drawing/2014/main" id="{6D6CD594-9EBE-9420-8784-2F8CEFFD5B02}"/>
+              </a:ext>
+            </a:extLst>
+          </p:cNvPr>
+          <p:cNvSpPr/>
+          <p:nvPr/>
+        </p:nvSpPr>
+        <p:spPr>
+          <a:xfrm>
+            <a:off x="1979252" y="2278563"/>
+            <a:ext cx="126744" cy="289244"/>
+          </a:xfrm>
+          <a:prstGeom prst="rect">
+            <a:avLst/>
+          </a:prstGeom>
+          <a:solidFill>
+            <a:schemeClr val="tx1"/>
+          </a:solidFill>
+          <a:ln>
+            <a:solidFill>
+              <a:schemeClr val="tx1"/>
+            </a:solidFill>
+          </a:ln>
+        </p:spPr>
+        <p:style>
+          <a:lnRef idx="2">
+            <a:schemeClr val="accent1">
+              <a:shade val="50000"/>
+            </a:schemeClr>
+          </a:lnRef>
+          <a:fillRef idx="1">
+            <a:schemeClr val="accent1"/>
+          </a:fillRef>
+          <a:effectRef idx="0">
+            <a:schemeClr val="accent1"/>
+          </a:effectRef>
+          <a:fontRef idx="minor">
+            <a:schemeClr val="lt1"/>
+          </a:fontRef>
+        </p:style>
+        <p:txBody>
+          <a:bodyPr rtlCol="0" anchor="ctr"/>
+          <a:lstStyle/>
+          <a:p>
+            <a:pPr algn="ctr"/>
+            <a:endParaRPr lang="en-US" dirty="0"/>
+          </a:p>
+        </p:txBody>
+      </p:sp>
+      <p:sp>
+        <p:nvSpPr>
+          <p:cNvPr id="51" name="Rectangle 50">
+            <a:extLst>
+              <a:ext uri="{FF2B5EF4-FFF2-40B4-BE49-F238E27FC236}">
+                <a16:creationId xmlns:a16="http://schemas.microsoft.com/office/drawing/2014/main" id="{3C858249-8F90-2A8F-BEE1-84E385E52D66}"/>
+              </a:ext>
+            </a:extLst>
+          </p:cNvPr>
+          <p:cNvSpPr/>
+          <p:nvPr/>
+        </p:nvSpPr>
+        <p:spPr>
+          <a:xfrm>
+            <a:off x="1982361" y="1942661"/>
+            <a:ext cx="126744" cy="289244"/>
+          </a:xfrm>
+          <a:prstGeom prst="rect">
+            <a:avLst/>
+          </a:prstGeom>
+          <a:solidFill>
+            <a:schemeClr val="tx1"/>
+          </a:solidFill>
+          <a:ln>
+            <a:solidFill>
+              <a:schemeClr val="tx1"/>
+            </a:solidFill>
+          </a:ln>
+        </p:spPr>
+        <p:style>
+          <a:lnRef idx="2">
+            <a:schemeClr val="accent1">
+              <a:shade val="50000"/>
+            </a:schemeClr>
+          </a:lnRef>
+          <a:fillRef idx="1">
+            <a:schemeClr val="accent1"/>
+          </a:fillRef>
+          <a:effectRef idx="0">
+            <a:schemeClr val="accent1"/>
+          </a:effectRef>
+          <a:fontRef idx="minor">
+            <a:schemeClr val="lt1"/>
+          </a:fontRef>
+        </p:style>
+        <p:txBody>
+          <a:bodyPr rtlCol="0" anchor="ctr"/>
+          <a:lstStyle/>
+          <a:p>
+            <a:pPr algn="ctr"/>
+            <a:endParaRPr lang="en-US" dirty="0"/>
+          </a:p>
+        </p:txBody>
+      </p:sp>
+      <p:sp>
+        <p:nvSpPr>
+          <p:cNvPr id="52" name="Rectangle 51">
+            <a:extLst>
+              <a:ext uri="{FF2B5EF4-FFF2-40B4-BE49-F238E27FC236}">
+                <a16:creationId xmlns:a16="http://schemas.microsoft.com/office/drawing/2014/main" id="{7BBC5520-37B8-91E3-9B58-83BA46C43C20}"/>
+              </a:ext>
+            </a:extLst>
+          </p:cNvPr>
+          <p:cNvSpPr/>
+          <p:nvPr/>
+        </p:nvSpPr>
+        <p:spPr>
+          <a:xfrm>
+            <a:off x="2212517" y="2278563"/>
+            <a:ext cx="126744" cy="289244"/>
+          </a:xfrm>
+          <a:prstGeom prst="rect">
+            <a:avLst/>
+          </a:prstGeom>
+          <a:solidFill>
+            <a:schemeClr val="tx1"/>
+          </a:solidFill>
+          <a:ln>
+            <a:solidFill>
+              <a:schemeClr val="tx1"/>
+            </a:solidFill>
+          </a:ln>
+        </p:spPr>
+        <p:style>
+          <a:lnRef idx="2">
+            <a:schemeClr val="accent1">
+              <a:shade val="50000"/>
+            </a:schemeClr>
+          </a:lnRef>
+          <a:fillRef idx="1">
+            <a:schemeClr val="accent1"/>
+          </a:fillRef>
+          <a:effectRef idx="0">
+            <a:schemeClr val="accent1"/>
+          </a:effectRef>
+          <a:fontRef idx="minor">
+            <a:schemeClr val="lt1"/>
+          </a:fontRef>
+        </p:style>
+        <p:txBody>
+          <a:bodyPr rtlCol="0" anchor="ctr"/>
+          <a:lstStyle/>
+          <a:p>
+            <a:pPr algn="ctr"/>
+            <a:endParaRPr lang="en-US" dirty="0"/>
+          </a:p>
+        </p:txBody>
+      </p:sp>
+      <p:sp>
+        <p:nvSpPr>
+          <p:cNvPr id="53" name="Rectangle 52">
+            <a:extLst>
+              <a:ext uri="{FF2B5EF4-FFF2-40B4-BE49-F238E27FC236}">
+                <a16:creationId xmlns:a16="http://schemas.microsoft.com/office/drawing/2014/main" id="{A8BED82A-B7CA-2F78-D887-2E8A04705F45}"/>
+              </a:ext>
+            </a:extLst>
+          </p:cNvPr>
+          <p:cNvSpPr/>
+          <p:nvPr/>
+        </p:nvSpPr>
+        <p:spPr>
+          <a:xfrm>
+            <a:off x="2909984" y="4073148"/>
+            <a:ext cx="126744" cy="289244"/>
+          </a:xfrm>
+          <a:prstGeom prst="rect">
+            <a:avLst/>
+          </a:prstGeom>
+          <a:solidFill>
+            <a:schemeClr val="tx1"/>
+          </a:solidFill>
+          <a:ln>
+            <a:solidFill>
+              <a:schemeClr val="tx1"/>
+            </a:solidFill>
+          </a:ln>
+        </p:spPr>
+        <p:style>
+          <a:lnRef idx="2">
+            <a:schemeClr val="accent1">
+              <a:shade val="50000"/>
+            </a:schemeClr>
+          </a:lnRef>
+          <a:fillRef idx="1">
+            <a:schemeClr val="accent1"/>
+          </a:fillRef>
+          <a:effectRef idx="0">
+            <a:schemeClr val="accent1"/>
+          </a:effectRef>
+          <a:fontRef idx="minor">
+            <a:schemeClr val="lt1"/>
+          </a:fontRef>
+        </p:style>
+        <p:txBody>
+          <a:bodyPr rtlCol="0" anchor="ctr"/>
+          <a:lstStyle/>
+          <a:p>
+            <a:pPr algn="ctr"/>
+            <a:endParaRPr lang="en-US" dirty="0"/>
+          </a:p>
+        </p:txBody>
+      </p:sp>
+      <p:sp>
+        <p:nvSpPr>
+          <p:cNvPr id="54" name="Rectangle 53">
+            <a:extLst>
+              <a:ext uri="{FF2B5EF4-FFF2-40B4-BE49-F238E27FC236}">
+                <a16:creationId xmlns:a16="http://schemas.microsoft.com/office/drawing/2014/main" id="{2A0BB964-5B47-5CE5-FA9E-2AD643A09469}"/>
+              </a:ext>
+            </a:extLst>
+          </p:cNvPr>
+          <p:cNvSpPr/>
+          <p:nvPr/>
+        </p:nvSpPr>
+        <p:spPr>
+          <a:xfrm>
+            <a:off x="2909984" y="4962666"/>
+            <a:ext cx="126744" cy="289244"/>
+          </a:xfrm>
+          <a:prstGeom prst="rect">
+            <a:avLst/>
+          </a:prstGeom>
+          <a:solidFill>
+            <a:schemeClr val="tx1"/>
+          </a:solidFill>
+          <a:ln>
+            <a:solidFill>
+              <a:schemeClr val="tx1"/>
+            </a:solidFill>
+          </a:ln>
+        </p:spPr>
+        <p:style>
+          <a:lnRef idx="2">
+            <a:schemeClr val="accent1">
+              <a:shade val="50000"/>
+            </a:schemeClr>
+          </a:lnRef>
+          <a:fillRef idx="1">
+            <a:schemeClr val="accent1"/>
+          </a:fillRef>
+          <a:effectRef idx="0">
+            <a:schemeClr val="accent1"/>
+          </a:effectRef>
+          <a:fontRef idx="minor">
+            <a:schemeClr val="lt1"/>
+          </a:fontRef>
+        </p:style>
+        <p:txBody>
+          <a:bodyPr rtlCol="0" anchor="ctr"/>
+          <a:lstStyle/>
+          <a:p>
+            <a:pPr algn="ctr"/>
+            <a:endParaRPr lang="en-US" dirty="0"/>
+          </a:p>
+        </p:txBody>
+      </p:sp>
+      <p:sp>
+        <p:nvSpPr>
+          <p:cNvPr id="55" name="Rectangle 54">
+            <a:extLst>
+              <a:ext uri="{FF2B5EF4-FFF2-40B4-BE49-F238E27FC236}">
+                <a16:creationId xmlns:a16="http://schemas.microsoft.com/office/drawing/2014/main" id="{1F08B90C-BEB3-3751-060B-94E979DA8185}"/>
+              </a:ext>
+            </a:extLst>
+          </p:cNvPr>
+          <p:cNvSpPr/>
+          <p:nvPr/>
+        </p:nvSpPr>
+        <p:spPr>
+          <a:xfrm rot="5400000">
+            <a:off x="1308229" y="2826735"/>
+            <a:ext cx="126744" cy="289244"/>
+          </a:xfrm>
+          <a:prstGeom prst="rect">
+            <a:avLst/>
+          </a:prstGeom>
+          <a:solidFill>
+            <a:schemeClr val="tx1"/>
+          </a:solidFill>
+          <a:ln>
+            <a:solidFill>
+              <a:schemeClr val="tx1"/>
+            </a:solidFill>
+          </a:ln>
+        </p:spPr>
+        <p:style>
+          <a:lnRef idx="2">
+            <a:schemeClr val="accent1">
+              <a:shade val="50000"/>
+            </a:schemeClr>
+          </a:lnRef>
+          <a:fillRef idx="1">
+            <a:schemeClr val="accent1"/>
+          </a:fillRef>
+          <a:effectRef idx="0">
+            <a:schemeClr val="accent1"/>
+          </a:effectRef>
+          <a:fontRef idx="minor">
+            <a:schemeClr val="lt1"/>
+          </a:fontRef>
+        </p:style>
+        <p:txBody>
+          <a:bodyPr rtlCol="0" anchor="ctr"/>
+          <a:lstStyle/>
+          <a:p>
+            <a:pPr algn="ctr"/>
+            <a:endParaRPr lang="en-US" dirty="0"/>
+          </a:p>
+        </p:txBody>
+      </p:sp>
+      <p:sp>
+        <p:nvSpPr>
+          <p:cNvPr id="56" name="Rectangle 55">
+            <a:extLst>
+              <a:ext uri="{FF2B5EF4-FFF2-40B4-BE49-F238E27FC236}">
+                <a16:creationId xmlns:a16="http://schemas.microsoft.com/office/drawing/2014/main" id="{1A7D873A-E3AA-DB28-FFC9-3155A6ACBE3C}"/>
+              </a:ext>
+            </a:extLst>
+          </p:cNvPr>
+          <p:cNvSpPr/>
+          <p:nvPr/>
+        </p:nvSpPr>
+        <p:spPr>
+          <a:xfrm rot="5400000">
+            <a:off x="3746629" y="2835289"/>
+            <a:ext cx="126744" cy="289244"/>
+          </a:xfrm>
+          <a:prstGeom prst="rect">
+            <a:avLst/>
+          </a:prstGeom>
+          <a:solidFill>
+            <a:schemeClr val="tx1"/>
+          </a:solidFill>
+          <a:ln>
+            <a:solidFill>
+              <a:schemeClr val="tx1"/>
+            </a:solidFill>
+          </a:ln>
+        </p:spPr>
+        <p:style>
+          <a:lnRef idx="2">
+            <a:schemeClr val="accent1">
+              <a:shade val="50000"/>
+            </a:schemeClr>
+          </a:lnRef>
+          <a:fillRef idx="1">
+            <a:schemeClr val="accent1"/>
+          </a:fillRef>
+          <a:effectRef idx="0">
+            <a:schemeClr val="accent1"/>
+          </a:effectRef>
+          <a:fontRef idx="minor">
+            <a:schemeClr val="lt1"/>
+          </a:fontRef>
+        </p:style>
+        <p:txBody>
+          <a:bodyPr rtlCol="0" anchor="ctr"/>
+          <a:lstStyle/>
+          <a:p>
+            <a:pPr algn="ctr"/>
+            <a:endParaRPr lang="en-US" dirty="0"/>
+          </a:p>
+        </p:txBody>
+      </p:sp>
+      <p:sp>
+        <p:nvSpPr>
+          <p:cNvPr id="57" name="Rectangle 56">
+            <a:extLst>
+              <a:ext uri="{FF2B5EF4-FFF2-40B4-BE49-F238E27FC236}">
+                <a16:creationId xmlns:a16="http://schemas.microsoft.com/office/drawing/2014/main" id="{997F741E-EE25-20C2-2683-4FAFC83D6F50}"/>
+              </a:ext>
+            </a:extLst>
+          </p:cNvPr>
+          <p:cNvSpPr/>
+          <p:nvPr/>
+        </p:nvSpPr>
+        <p:spPr>
+          <a:xfrm rot="5400000">
+            <a:off x="1502615" y="3550637"/>
+            <a:ext cx="126744" cy="289244"/>
+          </a:xfrm>
+          <a:prstGeom prst="rect">
+            <a:avLst/>
+          </a:prstGeom>
+          <a:solidFill>
+            <a:schemeClr val="tx1"/>
+          </a:solidFill>
+          <a:ln>
+            <a:solidFill>
+              <a:schemeClr val="tx1"/>
+            </a:solidFill>
+          </a:ln>
+        </p:spPr>
+        <p:style>
+          <a:lnRef idx="2">
+            <a:schemeClr val="accent1">
+              <a:shade val="50000"/>
+            </a:schemeClr>
+          </a:lnRef>
+          <a:fillRef idx="1">
+            <a:schemeClr val="accent1"/>
+          </a:fillRef>
+          <a:effectRef idx="0">
+            <a:schemeClr val="accent1"/>
+          </a:effectRef>
+          <a:fontRef idx="minor">
+            <a:schemeClr val="lt1"/>
+          </a:fontRef>
+        </p:style>
+        <p:txBody>
+          <a:bodyPr rtlCol="0" anchor="ctr"/>
+          <a:lstStyle/>
+          <a:p>
+            <a:pPr algn="ctr"/>
+            <a:endParaRPr lang="en-US" dirty="0"/>
+          </a:p>
+        </p:txBody>
+      </p:sp>
+      <p:sp>
+        <p:nvSpPr>
+          <p:cNvPr id="58" name="Rectangle 57">
+            <a:extLst>
+              <a:ext uri="{FF2B5EF4-FFF2-40B4-BE49-F238E27FC236}">
+                <a16:creationId xmlns:a16="http://schemas.microsoft.com/office/drawing/2014/main" id="{A9A81A1C-A6B8-EE36-5E75-08F890F5817C}"/>
+              </a:ext>
+            </a:extLst>
+          </p:cNvPr>
+          <p:cNvSpPr/>
+          <p:nvPr/>
+        </p:nvSpPr>
+        <p:spPr>
+          <a:xfrm rot="5400000">
+            <a:off x="3395178" y="3535083"/>
+            <a:ext cx="126744" cy="289244"/>
+          </a:xfrm>
+          <a:prstGeom prst="rect">
+            <a:avLst/>
+          </a:prstGeom>
+          <a:solidFill>
+            <a:schemeClr val="tx1"/>
+          </a:solidFill>
+          <a:ln>
+            <a:solidFill>
+              <a:schemeClr val="tx1"/>
+            </a:solidFill>
+          </a:ln>
+        </p:spPr>
+        <p:style>
+          <a:lnRef idx="2">
+            <a:schemeClr val="accent1">
+              <a:shade val="50000"/>
+            </a:schemeClr>
+          </a:lnRef>
+          <a:fillRef idx="1">
+            <a:schemeClr val="accent1"/>
+          </a:fillRef>
+          <a:effectRef idx="0">
+            <a:schemeClr val="accent1"/>
+          </a:effectRef>
+          <a:fontRef idx="minor">
+            <a:schemeClr val="lt1"/>
+          </a:fontRef>
+        </p:style>
+        <p:txBody>
+          <a:bodyPr rtlCol="0" anchor="ctr"/>
+          <a:lstStyle/>
+          <a:p>
+            <a:pPr algn="ctr"/>
+            <a:endParaRPr lang="en-US" dirty="0"/>
+          </a:p>
+        </p:txBody>
+      </p:sp>
+      <p:graphicFrame>
+        <p:nvGraphicFramePr>
+          <p:cNvPr id="99" name="Table 99">
+            <a:extLst>
+              <a:ext uri="{FF2B5EF4-FFF2-40B4-BE49-F238E27FC236}">
+                <a16:creationId xmlns:a16="http://schemas.microsoft.com/office/drawing/2014/main" id="{4152AA69-16F1-74BB-CF7E-C7BB1F0ECB58}"/>
+              </a:ext>
+            </a:extLst>
+          </p:cNvPr>
+          <p:cNvGraphicFramePr>
+            <a:graphicFrameLocks noGrp="1"/>
+          </p:cNvGraphicFramePr>
+          <p:nvPr>
+            <p:extLst>
+              <p:ext uri="{D42A27DB-BD31-4B8C-83A1-F6EECF244321}">
+                <p14:modId xmlns:p14="http://schemas.microsoft.com/office/powerpoint/2010/main" val="2380418156"/>
+              </p:ext>
+            </p:extLst>
+          </p:nvPr>
+        </p:nvGraphicFramePr>
+        <p:xfrm>
+          <a:off x="6716768" y="1017037"/>
+          <a:ext cx="4483368" cy="4754880"/>
+        </p:xfrm>
+        <a:graphic>
+          <a:graphicData uri="http://schemas.openxmlformats.org/drawingml/2006/table">
+            <a:tbl>
+              <a:tblPr firstRow="1" bandRow="1">
+                <a:tableStyleId>{5940675A-B579-460E-94D1-54222C63F5DA}</a:tableStyleId>
+              </a:tblPr>
+              <a:tblGrid>
+                <a:gridCol w="249076">
+                  <a:extLst>
+                    <a:ext uri="{9D8B030D-6E8A-4147-A177-3AD203B41FA5}">
+                      <a16:colId xmlns:a16="http://schemas.microsoft.com/office/drawing/2014/main" val="3654175172"/>
+                    </a:ext>
+                  </a:extLst>
+                </a:gridCol>
+                <a:gridCol w="249076">
+                  <a:extLst>
+                    <a:ext uri="{9D8B030D-6E8A-4147-A177-3AD203B41FA5}">
+                      <a16:colId xmlns:a16="http://schemas.microsoft.com/office/drawing/2014/main" val="2338971094"/>
+                    </a:ext>
+                  </a:extLst>
+                </a:gridCol>
+                <a:gridCol w="249076">
+                  <a:extLst>
+                    <a:ext uri="{9D8B030D-6E8A-4147-A177-3AD203B41FA5}">
+                      <a16:colId xmlns:a16="http://schemas.microsoft.com/office/drawing/2014/main" val="1694432563"/>
+                    </a:ext>
+                  </a:extLst>
+                </a:gridCol>
+                <a:gridCol w="249076">
+                  <a:extLst>
+                    <a:ext uri="{9D8B030D-6E8A-4147-A177-3AD203B41FA5}">
+                      <a16:colId xmlns:a16="http://schemas.microsoft.com/office/drawing/2014/main" val="2442705365"/>
+                    </a:ext>
+                  </a:extLst>
+                </a:gridCol>
+                <a:gridCol w="249076">
+                  <a:extLst>
+                    <a:ext uri="{9D8B030D-6E8A-4147-A177-3AD203B41FA5}">
+                      <a16:colId xmlns:a16="http://schemas.microsoft.com/office/drawing/2014/main" val="1162871912"/>
+                    </a:ext>
+                  </a:extLst>
+                </a:gridCol>
+                <a:gridCol w="249076">
+                  <a:extLst>
+                    <a:ext uri="{9D8B030D-6E8A-4147-A177-3AD203B41FA5}">
+                      <a16:colId xmlns:a16="http://schemas.microsoft.com/office/drawing/2014/main" val="556347425"/>
+                    </a:ext>
+                  </a:extLst>
+                </a:gridCol>
+                <a:gridCol w="249076">
+                  <a:extLst>
+                    <a:ext uri="{9D8B030D-6E8A-4147-A177-3AD203B41FA5}">
+                      <a16:colId xmlns:a16="http://schemas.microsoft.com/office/drawing/2014/main" val="1374220111"/>
+                    </a:ext>
+                  </a:extLst>
+                </a:gridCol>
+                <a:gridCol w="249076">
+                  <a:extLst>
+                    <a:ext uri="{9D8B030D-6E8A-4147-A177-3AD203B41FA5}">
+                      <a16:colId xmlns:a16="http://schemas.microsoft.com/office/drawing/2014/main" val="1730744296"/>
+                    </a:ext>
+                  </a:extLst>
+                </a:gridCol>
+                <a:gridCol w="249076">
+                  <a:extLst>
+                    <a:ext uri="{9D8B030D-6E8A-4147-A177-3AD203B41FA5}">
+                      <a16:colId xmlns:a16="http://schemas.microsoft.com/office/drawing/2014/main" val="1823993789"/>
+                    </a:ext>
+                  </a:extLst>
+                </a:gridCol>
+                <a:gridCol w="249076">
+                  <a:extLst>
+                    <a:ext uri="{9D8B030D-6E8A-4147-A177-3AD203B41FA5}">
+                      <a16:colId xmlns:a16="http://schemas.microsoft.com/office/drawing/2014/main" val="805170482"/>
+                    </a:ext>
+                  </a:extLst>
+                </a:gridCol>
+                <a:gridCol w="249076">
+                  <a:extLst>
+                    <a:ext uri="{9D8B030D-6E8A-4147-A177-3AD203B41FA5}">
+                      <a16:colId xmlns:a16="http://schemas.microsoft.com/office/drawing/2014/main" val="1586821308"/>
+                    </a:ext>
+                  </a:extLst>
+                </a:gridCol>
+                <a:gridCol w="249076">
+                  <a:extLst>
+                    <a:ext uri="{9D8B030D-6E8A-4147-A177-3AD203B41FA5}">
+                      <a16:colId xmlns:a16="http://schemas.microsoft.com/office/drawing/2014/main" val="3635130105"/>
+                    </a:ext>
+                  </a:extLst>
+                </a:gridCol>
+                <a:gridCol w="249076">
+                  <a:extLst>
+                    <a:ext uri="{9D8B030D-6E8A-4147-A177-3AD203B41FA5}">
+                      <a16:colId xmlns:a16="http://schemas.microsoft.com/office/drawing/2014/main" val="2067816836"/>
+                    </a:ext>
+                  </a:extLst>
+                </a:gridCol>
+                <a:gridCol w="249076">
+                  <a:extLst>
+                    <a:ext uri="{9D8B030D-6E8A-4147-A177-3AD203B41FA5}">
+                      <a16:colId xmlns:a16="http://schemas.microsoft.com/office/drawing/2014/main" val="564207727"/>
+                    </a:ext>
+                  </a:extLst>
+                </a:gridCol>
+                <a:gridCol w="249076">
+                  <a:extLst>
+                    <a:ext uri="{9D8B030D-6E8A-4147-A177-3AD203B41FA5}">
+                      <a16:colId xmlns:a16="http://schemas.microsoft.com/office/drawing/2014/main" val="396330918"/>
+                    </a:ext>
+                  </a:extLst>
+                </a:gridCol>
+                <a:gridCol w="249076">
+                  <a:extLst>
+                    <a:ext uri="{9D8B030D-6E8A-4147-A177-3AD203B41FA5}">
+                      <a16:colId xmlns:a16="http://schemas.microsoft.com/office/drawing/2014/main" val="1961633517"/>
+                    </a:ext>
+                  </a:extLst>
+                </a:gridCol>
+                <a:gridCol w="249076">
+                  <a:extLst>
+                    <a:ext uri="{9D8B030D-6E8A-4147-A177-3AD203B41FA5}">
+                      <a16:colId xmlns:a16="http://schemas.microsoft.com/office/drawing/2014/main" val="657170691"/>
+                    </a:ext>
+                  </a:extLst>
+                </a:gridCol>
+                <a:gridCol w="249076">
+                  <a:extLst>
+                    <a:ext uri="{9D8B030D-6E8A-4147-A177-3AD203B41FA5}">
+                      <a16:colId xmlns:a16="http://schemas.microsoft.com/office/drawing/2014/main" val="3488602151"/>
+                    </a:ext>
+                  </a:extLst>
+                </a:gridCol>
+              </a:tblGrid>
+              <a:tr h="345825">
+                <a:tc>
+                  <a:txBody>
+                    <a:bodyPr/>
+                    <a:lstStyle/>
+                    <a:p>
+                      <a:endParaRPr lang="en-US"/>
+                    </a:p>
+                  </a:txBody>
+                  <a:tcPr/>
+                </a:tc>
+                <a:tc>
+                  <a:txBody>
+                    <a:bodyPr/>
+                    <a:lstStyle/>
+                    <a:p>
+                      <a:endParaRPr lang="en-US" dirty="0"/>
+                    </a:p>
+                  </a:txBody>
+                  <a:tcPr/>
+                </a:tc>
+                <a:tc>
+                  <a:txBody>
+                    <a:bodyPr/>
+                    <a:lstStyle/>
+                    <a:p>
+                      <a:endParaRPr lang="en-US" dirty="0"/>
+                    </a:p>
+                  </a:txBody>
+                  <a:tcPr/>
+                </a:tc>
+                <a:tc>
+                  <a:txBody>
+                    <a:bodyPr/>
+                    <a:lstStyle/>
+                    <a:p>
+                      <a:endParaRPr lang="en-US"/>
+                    </a:p>
+                  </a:txBody>
+                  <a:tcPr/>
+                </a:tc>
+                <a:tc>
+                  <a:txBody>
+                    <a:bodyPr/>
+                    <a:lstStyle/>
+                    <a:p>
+                      <a:endParaRPr lang="en-US"/>
+                    </a:p>
+                  </a:txBody>
+                  <a:tcPr/>
+                </a:tc>
+                <a:tc>
+                  <a:txBody>
+                    <a:bodyPr/>
+                    <a:lstStyle/>
+                    <a:p>
+                      <a:endParaRPr lang="en-US" dirty="0"/>
+                    </a:p>
+                  </a:txBody>
+                  <a:tcPr/>
+                </a:tc>
+                <a:tc>
+                  <a:txBody>
+                    <a:bodyPr/>
+                    <a:lstStyle/>
+                    <a:p>
+                      <a:endParaRPr lang="en-US"/>
+                    </a:p>
+                  </a:txBody>
+                  <a:tcPr/>
+                </a:tc>
+                <a:tc>
+                  <a:txBody>
+                    <a:bodyPr/>
+                    <a:lstStyle/>
+                    <a:p>
+                      <a:endParaRPr lang="en-US"/>
+                    </a:p>
+                  </a:txBody>
+                  <a:tcPr/>
+                </a:tc>
+                <a:tc>
+                  <a:txBody>
+                    <a:bodyPr/>
+                    <a:lstStyle/>
+                    <a:p>
+                      <a:endParaRPr lang="en-US"/>
+                    </a:p>
+                  </a:txBody>
+                  <a:tcPr/>
+                </a:tc>
+                <a:tc>
+                  <a:txBody>
+                    <a:bodyPr/>
+                    <a:lstStyle/>
+                    <a:p>
+                      <a:endParaRPr lang="en-US" dirty="0"/>
+                    </a:p>
+                  </a:txBody>
+                  <a:tcPr/>
+                </a:tc>
+                <a:tc>
+                  <a:txBody>
+                    <a:bodyPr/>
+                    <a:lstStyle/>
+                    <a:p>
+                      <a:endParaRPr lang="en-US" dirty="0"/>
+                    </a:p>
+                  </a:txBody>
+                  <a:tcPr/>
+                </a:tc>
+                <a:tc>
+                  <a:txBody>
+                    <a:bodyPr/>
+                    <a:lstStyle/>
+                    <a:p>
+                      <a:endParaRPr lang="en-US" dirty="0"/>
+                    </a:p>
+                  </a:txBody>
+                  <a:tcPr/>
+                </a:tc>
+                <a:tc>
+                  <a:txBody>
+                    <a:bodyPr/>
+                    <a:lstStyle/>
+                    <a:p>
+                      <a:endParaRPr lang="en-US" dirty="0"/>
+                    </a:p>
+                  </a:txBody>
+                  <a:tcPr/>
+                </a:tc>
+                <a:tc>
+                  <a:txBody>
+                    <a:bodyPr/>
+                    <a:lstStyle/>
+                    <a:p>
+                      <a:endParaRPr lang="en-US" dirty="0"/>
+                    </a:p>
+                  </a:txBody>
+                  <a:tcPr/>
+                </a:tc>
+                <a:tc>
+                  <a:txBody>
+                    <a:bodyPr/>
+                    <a:lstStyle/>
+                    <a:p>
+                      <a:endParaRPr lang="en-US" dirty="0"/>
+                    </a:p>
+                  </a:txBody>
+                  <a:tcPr/>
+                </a:tc>
+                <a:tc>
+                  <a:txBody>
+                    <a:bodyPr/>
+                    <a:lstStyle/>
+                    <a:p>
+                      <a:endParaRPr lang="en-US" dirty="0"/>
+                    </a:p>
+                  </a:txBody>
+                  <a:tcPr/>
+                </a:tc>
+                <a:tc>
+                  <a:txBody>
+                    <a:bodyPr/>
+                    <a:lstStyle/>
+                    <a:p>
+                      <a:endParaRPr lang="en-US" dirty="0"/>
+                    </a:p>
+                  </a:txBody>
+                  <a:tcPr/>
+                </a:tc>
+                <a:tc>
+                  <a:txBody>
+                    <a:bodyPr/>
+                    <a:lstStyle/>
+                    <a:p>
+                      <a:endParaRPr lang="en-US" dirty="0"/>
+                    </a:p>
+                  </a:txBody>
+                  <a:tcPr/>
+                </a:tc>
+                <a:extLst>
+                  <a:ext uri="{0D108BD9-81ED-4DB2-BD59-A6C34878D82A}">
+                    <a16:rowId xmlns:a16="http://schemas.microsoft.com/office/drawing/2014/main" val="2563905367"/>
+                  </a:ext>
+                </a:extLst>
+              </a:tr>
+              <a:tr h="345825">
+                <a:tc>
+                  <a:txBody>
+                    <a:bodyPr/>
+                    <a:lstStyle/>
+                    <a:p>
+                      <a:endParaRPr lang="en-US"/>
+                    </a:p>
+                  </a:txBody>
+                  <a:tcPr/>
+                </a:tc>
+                <a:tc>
+                  <a:txBody>
+                    <a:bodyPr/>
+                    <a:lstStyle/>
+                    <a:p>
+                      <a:endParaRPr lang="en-US" dirty="0"/>
+                    </a:p>
+                  </a:txBody>
+                  <a:tcPr/>
+                </a:tc>
+                <a:tc>
+                  <a:txBody>
+                    <a:bodyPr/>
+                    <a:lstStyle/>
+                    <a:p>
+                      <a:endParaRPr lang="en-US" dirty="0"/>
+                    </a:p>
+                  </a:txBody>
+                  <a:tcPr/>
+                </a:tc>
+                <a:tc>
+                  <a:txBody>
+                    <a:bodyPr/>
+                    <a:lstStyle/>
+                    <a:p>
+                      <a:endParaRPr lang="en-US"/>
+                    </a:p>
+                  </a:txBody>
+                  <a:tcPr/>
+                </a:tc>
+                <a:tc>
+                  <a:txBody>
+                    <a:bodyPr/>
+                    <a:lstStyle/>
+                    <a:p>
+                      <a:endParaRPr lang="en-US"/>
+                    </a:p>
+                  </a:txBody>
+                  <a:tcPr/>
+                </a:tc>
+                <a:tc>
+                  <a:txBody>
+                    <a:bodyPr/>
+                    <a:lstStyle/>
+                    <a:p>
+                      <a:endParaRPr lang="en-US" dirty="0"/>
+                    </a:p>
+                  </a:txBody>
+                  <a:tcPr/>
+                </a:tc>
+                <a:tc>
+                  <a:txBody>
+                    <a:bodyPr/>
+                    <a:lstStyle/>
+                    <a:p>
+                      <a:endParaRPr lang="en-US"/>
+                    </a:p>
+                  </a:txBody>
+                  <a:tcPr/>
+                </a:tc>
+                <a:tc>
+                  <a:txBody>
+                    <a:bodyPr/>
+                    <a:lstStyle/>
+                    <a:p>
+                      <a:endParaRPr lang="en-US"/>
+                    </a:p>
+                  </a:txBody>
+                  <a:tcPr/>
+                </a:tc>
+                <a:tc>
+                  <a:txBody>
+                    <a:bodyPr/>
+                    <a:lstStyle/>
+                    <a:p>
+                      <a:endParaRPr lang="en-US"/>
+                    </a:p>
+                  </a:txBody>
+                  <a:tcPr/>
+                </a:tc>
+                <a:tc>
+                  <a:txBody>
+                    <a:bodyPr/>
+                    <a:lstStyle/>
+                    <a:p>
+                      <a:endParaRPr lang="en-US" dirty="0"/>
+                    </a:p>
+                  </a:txBody>
+                  <a:tcPr/>
+                </a:tc>
+                <a:tc>
+                  <a:txBody>
+                    <a:bodyPr/>
+                    <a:lstStyle/>
+                    <a:p>
+                      <a:endParaRPr lang="en-US" dirty="0"/>
+                    </a:p>
+                  </a:txBody>
+                  <a:tcPr/>
+                </a:tc>
+                <a:tc>
+                  <a:txBody>
+                    <a:bodyPr/>
+                    <a:lstStyle/>
+                    <a:p>
+                      <a:endParaRPr lang="en-US" dirty="0"/>
+                    </a:p>
+                  </a:txBody>
+                  <a:tcPr/>
+                </a:tc>
+                <a:tc>
+                  <a:txBody>
+                    <a:bodyPr/>
+                    <a:lstStyle/>
+                    <a:p>
+                      <a:endParaRPr lang="en-US" dirty="0"/>
+                    </a:p>
+                  </a:txBody>
+                  <a:tcPr/>
+                </a:tc>
+                <a:tc>
+                  <a:txBody>
+                    <a:bodyPr/>
+                    <a:lstStyle/>
+                    <a:p>
+                      <a:endParaRPr lang="en-US" dirty="0"/>
+                    </a:p>
+                  </a:txBody>
+                  <a:tcPr/>
+                </a:tc>
+                <a:tc>
+                  <a:txBody>
+                    <a:bodyPr/>
+                    <a:lstStyle/>
+                    <a:p>
+                      <a:endParaRPr lang="en-US" dirty="0"/>
+                    </a:p>
+                  </a:txBody>
+                  <a:tcPr/>
+                </a:tc>
+                <a:tc>
+                  <a:txBody>
+                    <a:bodyPr/>
+                    <a:lstStyle/>
+                    <a:p>
+                      <a:endParaRPr lang="en-US" dirty="0"/>
+                    </a:p>
+                  </a:txBody>
+                  <a:tcPr/>
+                </a:tc>
+                <a:tc>
+                  <a:txBody>
+                    <a:bodyPr/>
+                    <a:lstStyle/>
+                    <a:p>
+                      <a:endParaRPr lang="en-US" dirty="0"/>
+                    </a:p>
+                  </a:txBody>
+                  <a:tcPr/>
+                </a:tc>
+                <a:tc>
+                  <a:txBody>
+                    <a:bodyPr/>
+                    <a:lstStyle/>
+                    <a:p>
+                      <a:endParaRPr lang="en-US" dirty="0"/>
+                    </a:p>
+                  </a:txBody>
+                  <a:tcPr/>
+                </a:tc>
+                <a:extLst>
+                  <a:ext uri="{0D108BD9-81ED-4DB2-BD59-A6C34878D82A}">
+                    <a16:rowId xmlns:a16="http://schemas.microsoft.com/office/drawing/2014/main" val="164328050"/>
+                  </a:ext>
+                </a:extLst>
+              </a:tr>
+              <a:tr h="345825">
+                <a:tc>
+                  <a:txBody>
+                    <a:bodyPr/>
+                    <a:lstStyle/>
+                    <a:p>
+                      <a:endParaRPr lang="en-US"/>
+                    </a:p>
+                  </a:txBody>
+                  <a:tcPr/>
+                </a:tc>
+                <a:tc>
+                  <a:txBody>
+                    <a:bodyPr/>
+                    <a:lstStyle/>
+                    <a:p>
+                      <a:endParaRPr lang="en-US"/>
+                    </a:p>
+                  </a:txBody>
+                  <a:tcPr/>
+                </a:tc>
+                <a:tc>
+                  <a:txBody>
+                    <a:bodyPr/>
+                    <a:lstStyle/>
+                    <a:p>
+                      <a:endParaRPr lang="en-US" dirty="0"/>
+                    </a:p>
+                  </a:txBody>
+                  <a:tcPr/>
+                </a:tc>
+                <a:tc>
+                  <a:txBody>
+                    <a:bodyPr/>
+                    <a:lstStyle/>
+                    <a:p>
+                      <a:endParaRPr lang="en-US"/>
+                    </a:p>
+                  </a:txBody>
+                  <a:tcPr/>
+                </a:tc>
+                <a:tc>
+                  <a:txBody>
+                    <a:bodyPr/>
+                    <a:lstStyle/>
+                    <a:p>
+                      <a:endParaRPr lang="en-US"/>
+                    </a:p>
+                  </a:txBody>
+                  <a:tcPr/>
+                </a:tc>
+                <a:tc>
+                  <a:txBody>
+                    <a:bodyPr/>
+                    <a:lstStyle/>
+                    <a:p>
+                      <a:endParaRPr lang="en-US" dirty="0"/>
+                    </a:p>
+                  </a:txBody>
+                  <a:tcPr/>
+                </a:tc>
+                <a:tc>
+                  <a:txBody>
+                    <a:bodyPr/>
+                    <a:lstStyle/>
+                    <a:p>
+                      <a:endParaRPr lang="en-US" dirty="0"/>
+                    </a:p>
+                  </a:txBody>
+                  <a:tcPr>
+                    <a:solidFill>
+                      <a:schemeClr val="tx1"/>
+                    </a:solidFill>
+                  </a:tcPr>
+                </a:tc>
+                <a:tc>
+                  <a:txBody>
+                    <a:bodyPr/>
+                    <a:lstStyle/>
+                    <a:p>
+                      <a:endParaRPr lang="en-US"/>
+                    </a:p>
+                  </a:txBody>
+                  <a:tcPr/>
+                </a:tc>
+                <a:tc>
+                  <a:txBody>
+                    <a:bodyPr/>
+                    <a:lstStyle/>
+                    <a:p>
+                      <a:endParaRPr lang="en-US"/>
+                    </a:p>
+                  </a:txBody>
+                  <a:tcPr/>
+                </a:tc>
+                <a:tc>
+                  <a:txBody>
+                    <a:bodyPr/>
+                    <a:lstStyle/>
+                    <a:p>
+                      <a:endParaRPr lang="en-US" dirty="0"/>
+                    </a:p>
+                  </a:txBody>
+                  <a:tcPr/>
+                </a:tc>
+                <a:tc>
+                  <a:txBody>
+                    <a:bodyPr/>
+                    <a:lstStyle/>
+                    <a:p>
+                      <a:endParaRPr lang="en-US" dirty="0"/>
+                    </a:p>
+                  </a:txBody>
+                  <a:tcPr/>
+                </a:tc>
+                <a:tc>
+                  <a:txBody>
+                    <a:bodyPr/>
+                    <a:lstStyle/>
+                    <a:p>
+                      <a:endParaRPr lang="en-US" dirty="0"/>
+                    </a:p>
+                  </a:txBody>
+                  <a:tcPr/>
+                </a:tc>
+                <a:tc>
+                  <a:txBody>
+                    <a:bodyPr/>
+                    <a:lstStyle/>
+                    <a:p>
+                      <a:endParaRPr lang="en-US" dirty="0"/>
+                    </a:p>
+                  </a:txBody>
+                  <a:tcPr/>
+                </a:tc>
+                <a:tc>
+                  <a:txBody>
+                    <a:bodyPr/>
+                    <a:lstStyle/>
+                    <a:p>
+                      <a:endParaRPr lang="en-US" dirty="0"/>
+                    </a:p>
+                  </a:txBody>
+                  <a:tcPr/>
+                </a:tc>
+                <a:tc>
+                  <a:txBody>
+                    <a:bodyPr/>
+                    <a:lstStyle/>
+                    <a:p>
+                      <a:endParaRPr lang="en-US" dirty="0"/>
+                    </a:p>
+                  </a:txBody>
+                  <a:tcPr/>
+                </a:tc>
+                <a:tc>
+                  <a:txBody>
+                    <a:bodyPr/>
+                    <a:lstStyle/>
+                    <a:p>
+                      <a:endParaRPr lang="en-US" dirty="0"/>
+                    </a:p>
+                  </a:txBody>
+                  <a:tcPr/>
+                </a:tc>
+                <a:tc>
+                  <a:txBody>
+                    <a:bodyPr/>
+                    <a:lstStyle/>
+                    <a:p>
+                      <a:endParaRPr lang="en-US" dirty="0"/>
+                    </a:p>
+                  </a:txBody>
+                  <a:tcPr/>
+                </a:tc>
+                <a:tc>
+                  <a:txBody>
+                    <a:bodyPr/>
+                    <a:lstStyle/>
+                    <a:p>
+                      <a:endParaRPr lang="en-US" dirty="0"/>
+                    </a:p>
+                  </a:txBody>
+                  <a:tcPr/>
+                </a:tc>
+                <a:extLst>
+                  <a:ext uri="{0D108BD9-81ED-4DB2-BD59-A6C34878D82A}">
+                    <a16:rowId xmlns:a16="http://schemas.microsoft.com/office/drawing/2014/main" val="3782645419"/>
+                  </a:ext>
+                </a:extLst>
+              </a:tr>
+              <a:tr h="345825">
+                <a:tc>
+                  <a:txBody>
+                    <a:bodyPr/>
+                    <a:lstStyle/>
+                    <a:p>
+                      <a:endParaRPr lang="en-US"/>
+                    </a:p>
+                  </a:txBody>
+                  <a:tcPr/>
+                </a:tc>
+                <a:tc>
+                  <a:txBody>
+                    <a:bodyPr/>
+                    <a:lstStyle/>
+                    <a:p>
+                      <a:endParaRPr lang="en-US"/>
+                    </a:p>
+                  </a:txBody>
+                  <a:tcPr/>
+                </a:tc>
+                <a:tc>
+                  <a:txBody>
+                    <a:bodyPr/>
+                    <a:lstStyle/>
+                    <a:p>
+                      <a:endParaRPr lang="en-US" dirty="0"/>
+                    </a:p>
+                  </a:txBody>
+                  <a:tcPr/>
+                </a:tc>
+                <a:tc>
+                  <a:txBody>
+                    <a:bodyPr/>
+                    <a:lstStyle/>
+                    <a:p>
+                      <a:endParaRPr lang="en-US"/>
+                    </a:p>
+                  </a:txBody>
+                  <a:tcPr/>
+                </a:tc>
+                <a:tc>
+                  <a:txBody>
+                    <a:bodyPr/>
+                    <a:lstStyle/>
+                    <a:p>
+                      <a:endParaRPr lang="en-US"/>
+                    </a:p>
+                  </a:txBody>
+                  <a:tcPr/>
+                </a:tc>
+                <a:tc>
+                  <a:txBody>
+                    <a:bodyPr/>
+                    <a:lstStyle/>
+                    <a:p>
+                      <a:endParaRPr lang="en-US"/>
+                    </a:p>
+                  </a:txBody>
+                  <a:tcPr/>
+                </a:tc>
+                <a:tc>
+                  <a:txBody>
+                    <a:bodyPr/>
+                    <a:lstStyle/>
+                    <a:p>
+                      <a:endParaRPr lang="en-US" dirty="0"/>
+                    </a:p>
+                  </a:txBody>
+                  <a:tcPr>
+                    <a:solidFill>
+                      <a:schemeClr val="tx1"/>
+                    </a:solidFill>
+                  </a:tcPr>
+                </a:tc>
+                <a:tc>
+                  <a:txBody>
+                    <a:bodyPr/>
+                    <a:lstStyle/>
+                    <a:p>
+                      <a:endParaRPr lang="en-US" dirty="0"/>
+                    </a:p>
+                  </a:txBody>
+                  <a:tcPr>
+                    <a:solidFill>
+                      <a:schemeClr val="tx1"/>
+                    </a:solidFill>
+                  </a:tcPr>
+                </a:tc>
+                <a:tc>
+                  <a:txBody>
+                    <a:bodyPr/>
+                    <a:lstStyle/>
+                    <a:p>
+                      <a:endParaRPr lang="en-US"/>
+                    </a:p>
+                  </a:txBody>
+                  <a:tcPr/>
+                </a:tc>
+                <a:tc>
+                  <a:txBody>
+                    <a:bodyPr/>
+                    <a:lstStyle/>
+                    <a:p>
+                      <a:endParaRPr lang="en-US" dirty="0"/>
+                    </a:p>
+                  </a:txBody>
+                  <a:tcPr/>
+                </a:tc>
+                <a:tc>
+                  <a:txBody>
+                    <a:bodyPr/>
+                    <a:lstStyle/>
+                    <a:p>
+                      <a:endParaRPr lang="en-US" dirty="0"/>
+                    </a:p>
+                  </a:txBody>
+                  <a:tcPr/>
+                </a:tc>
+                <a:tc>
+                  <a:txBody>
+                    <a:bodyPr/>
+                    <a:lstStyle/>
+                    <a:p>
+                      <a:endParaRPr lang="en-US" dirty="0"/>
+                    </a:p>
+                  </a:txBody>
+                  <a:tcPr/>
+                </a:tc>
+                <a:tc>
+                  <a:txBody>
+                    <a:bodyPr/>
+                    <a:lstStyle/>
+                    <a:p>
+                      <a:endParaRPr lang="en-US" dirty="0"/>
+                    </a:p>
+                  </a:txBody>
+                  <a:tcPr/>
+                </a:tc>
+                <a:tc>
+                  <a:txBody>
+                    <a:bodyPr/>
+                    <a:lstStyle/>
+                    <a:p>
+                      <a:endParaRPr lang="en-US" dirty="0"/>
+                    </a:p>
+                  </a:txBody>
+                  <a:tcPr/>
+                </a:tc>
+                <a:tc>
+                  <a:txBody>
+                    <a:bodyPr/>
+                    <a:lstStyle/>
+                    <a:p>
+                      <a:endParaRPr lang="en-US" dirty="0"/>
+                    </a:p>
+                  </a:txBody>
+                  <a:tcPr/>
+                </a:tc>
+                <a:tc>
+                  <a:txBody>
+                    <a:bodyPr/>
+                    <a:lstStyle/>
+                    <a:p>
+                      <a:endParaRPr lang="en-US" dirty="0"/>
+                    </a:p>
+                  </a:txBody>
+                  <a:tcPr/>
+                </a:tc>
+                <a:tc>
+                  <a:txBody>
+                    <a:bodyPr/>
+                    <a:lstStyle/>
+                    <a:p>
+                      <a:endParaRPr lang="en-US" dirty="0"/>
+                    </a:p>
+                  </a:txBody>
+                  <a:tcPr/>
+                </a:tc>
+                <a:tc>
+                  <a:txBody>
+                    <a:bodyPr/>
+                    <a:lstStyle/>
+                    <a:p>
+                      <a:endParaRPr lang="en-US" dirty="0"/>
+                    </a:p>
+                  </a:txBody>
+                  <a:tcPr/>
+                </a:tc>
+                <a:extLst>
+                  <a:ext uri="{0D108BD9-81ED-4DB2-BD59-A6C34878D82A}">
+                    <a16:rowId xmlns:a16="http://schemas.microsoft.com/office/drawing/2014/main" val="1690478751"/>
+                  </a:ext>
+                </a:extLst>
+              </a:tr>
+              <a:tr h="345825">
+                <a:tc>
+                  <a:txBody>
+                    <a:bodyPr/>
+                    <a:lstStyle/>
+                    <a:p>
+                      <a:endParaRPr lang="en-US"/>
+                    </a:p>
+                  </a:txBody>
+                  <a:tcPr/>
+                </a:tc>
+                <a:tc>
+                  <a:txBody>
+                    <a:bodyPr/>
+                    <a:lstStyle/>
+                    <a:p>
+                      <a:endParaRPr lang="en-US"/>
+                    </a:p>
+                  </a:txBody>
+                  <a:tcPr/>
+                </a:tc>
+                <a:tc>
+                  <a:txBody>
+                    <a:bodyPr/>
+                    <a:lstStyle/>
+                    <a:p>
+                      <a:endParaRPr lang="en-US" dirty="0"/>
+                    </a:p>
+                  </a:txBody>
+                  <a:tcPr/>
+                </a:tc>
+                <a:tc>
+                  <a:txBody>
+                    <a:bodyPr/>
+                    <a:lstStyle/>
+                    <a:p>
+                      <a:endParaRPr lang="en-US"/>
+                    </a:p>
+                  </a:txBody>
+                  <a:tcPr/>
+                </a:tc>
+                <a:tc>
+                  <a:txBody>
+                    <a:bodyPr/>
+                    <a:lstStyle/>
+                    <a:p>
+                      <a:endParaRPr lang="en-US"/>
+                    </a:p>
+                  </a:txBody>
+                  <a:tcPr/>
+                </a:tc>
+                <a:tc>
+                  <a:txBody>
+                    <a:bodyPr/>
+                    <a:lstStyle/>
+                    <a:p>
+                      <a:endParaRPr lang="en-US"/>
+                    </a:p>
+                  </a:txBody>
+                  <a:tcPr/>
+                </a:tc>
+                <a:tc>
+                  <a:txBody>
+                    <a:bodyPr/>
+                    <a:lstStyle/>
+                    <a:p>
+                      <a:endParaRPr lang="en-US"/>
+                    </a:p>
+                  </a:txBody>
+                  <a:tcPr/>
+                </a:tc>
+                <a:tc>
+                  <a:txBody>
+                    <a:bodyPr/>
+                    <a:lstStyle/>
+                    <a:p>
+                      <a:endParaRPr lang="en-US"/>
+                    </a:p>
+                  </a:txBody>
+                  <a:tcPr/>
+                </a:tc>
+                <a:tc>
+                  <a:txBody>
+                    <a:bodyPr/>
+                    <a:lstStyle/>
+                    <a:p>
+                      <a:endParaRPr lang="en-US"/>
+                    </a:p>
+                  </a:txBody>
+                  <a:tcPr/>
+                </a:tc>
+                <a:tc>
+                  <a:txBody>
+                    <a:bodyPr/>
+                    <a:lstStyle/>
+                    <a:p>
+                      <a:endParaRPr lang="en-US" dirty="0"/>
+                    </a:p>
+                  </a:txBody>
+                  <a:tcPr/>
+                </a:tc>
+                <a:tc>
+                  <a:txBody>
+                    <a:bodyPr/>
+                    <a:lstStyle/>
+                    <a:p>
+                      <a:endParaRPr lang="en-US" dirty="0"/>
+                    </a:p>
+                  </a:txBody>
+                  <a:tcPr/>
+                </a:tc>
+                <a:tc>
+                  <a:txBody>
+                    <a:bodyPr/>
+                    <a:lstStyle/>
+                    <a:p>
+                      <a:endParaRPr lang="en-US" dirty="0"/>
+                    </a:p>
+                  </a:txBody>
+                  <a:tcPr/>
+                </a:tc>
+                <a:tc>
+                  <a:txBody>
+                    <a:bodyPr/>
+                    <a:lstStyle/>
+                    <a:p>
+                      <a:endParaRPr lang="en-US" dirty="0"/>
+                    </a:p>
+                  </a:txBody>
+                  <a:tcPr/>
+                </a:tc>
+                <a:tc>
+                  <a:txBody>
+                    <a:bodyPr/>
+                    <a:lstStyle/>
+                    <a:p>
+                      <a:endParaRPr lang="en-US" dirty="0"/>
+                    </a:p>
+                  </a:txBody>
+                  <a:tcPr/>
+                </a:tc>
+                <a:tc>
+                  <a:txBody>
+                    <a:bodyPr/>
+                    <a:lstStyle/>
+                    <a:p>
+                      <a:endParaRPr lang="en-US" dirty="0"/>
+                    </a:p>
+                  </a:txBody>
+                  <a:tcPr/>
+                </a:tc>
+                <a:tc>
+                  <a:txBody>
+                    <a:bodyPr/>
+                    <a:lstStyle/>
+                    <a:p>
+                      <a:endParaRPr lang="en-US" dirty="0"/>
+                    </a:p>
+                  </a:txBody>
+                  <a:tcPr/>
+                </a:tc>
+                <a:tc>
+                  <a:txBody>
+                    <a:bodyPr/>
+                    <a:lstStyle/>
+                    <a:p>
+                      <a:endParaRPr lang="en-US" dirty="0"/>
+                    </a:p>
+                  </a:txBody>
+                  <a:tcPr/>
+                </a:tc>
+                <a:tc>
+                  <a:txBody>
+                    <a:bodyPr/>
+                    <a:lstStyle/>
+                    <a:p>
+                      <a:endParaRPr lang="en-US" dirty="0"/>
+                    </a:p>
+                  </a:txBody>
+                  <a:tcPr/>
+                </a:tc>
+                <a:extLst>
+                  <a:ext uri="{0D108BD9-81ED-4DB2-BD59-A6C34878D82A}">
+                    <a16:rowId xmlns:a16="http://schemas.microsoft.com/office/drawing/2014/main" val="3913405223"/>
+                  </a:ext>
+                </a:extLst>
+              </a:tr>
+              <a:tr h="345825">
+                <a:tc>
+                  <a:txBody>
+                    <a:bodyPr/>
+                    <a:lstStyle/>
+                    <a:p>
+                      <a:endParaRPr lang="en-US"/>
+                    </a:p>
+                  </a:txBody>
+                  <a:tcPr/>
+                </a:tc>
+                <a:tc>
+                  <a:txBody>
+                    <a:bodyPr/>
+                    <a:lstStyle/>
+                    <a:p>
+                      <a:endParaRPr lang="en-US"/>
+                    </a:p>
+                  </a:txBody>
+                  <a:tcPr/>
+                </a:tc>
+                <a:tc>
+                  <a:txBody>
+                    <a:bodyPr/>
+                    <a:lstStyle/>
+                    <a:p>
+                      <a:endParaRPr lang="en-US" dirty="0"/>
+                    </a:p>
+                  </a:txBody>
+                  <a:tcPr/>
+                </a:tc>
+                <a:tc>
+                  <a:txBody>
+                    <a:bodyPr/>
+                    <a:lstStyle/>
+                    <a:p>
+                      <a:endParaRPr lang="en-US" dirty="0"/>
+                    </a:p>
+                  </a:txBody>
+                  <a:tcPr>
+                    <a:solidFill>
+                      <a:schemeClr val="tx1"/>
+                    </a:solidFill>
+                  </a:tcPr>
+                </a:tc>
+                <a:tc>
+                  <a:txBody>
+                    <a:bodyPr/>
+                    <a:lstStyle/>
+                    <a:p>
+                      <a:endParaRPr lang="en-US" dirty="0"/>
+                    </a:p>
+                  </a:txBody>
+                  <a:tcPr>
+                    <a:noFill/>
+                  </a:tcPr>
+                </a:tc>
+                <a:tc>
+                  <a:txBody>
+                    <a:bodyPr/>
+                    <a:lstStyle/>
+                    <a:p>
+                      <a:endParaRPr lang="en-US"/>
+                    </a:p>
+                  </a:txBody>
+                  <a:tcPr/>
+                </a:tc>
+                <a:tc>
+                  <a:txBody>
+                    <a:bodyPr/>
+                    <a:lstStyle/>
+                    <a:p>
+                      <a:endParaRPr lang="en-US"/>
+                    </a:p>
+                  </a:txBody>
+                  <a:tcPr/>
+                </a:tc>
+                <a:tc>
+                  <a:txBody>
+                    <a:bodyPr/>
+                    <a:lstStyle/>
+                    <a:p>
+                      <a:endParaRPr lang="en-US"/>
+                    </a:p>
+                  </a:txBody>
+                  <a:tcPr/>
+                </a:tc>
+                <a:tc>
+                  <a:txBody>
+                    <a:bodyPr/>
+                    <a:lstStyle/>
+                    <a:p>
+                      <a:endParaRPr lang="en-US"/>
+                    </a:p>
+                  </a:txBody>
+                  <a:tcPr/>
+                </a:tc>
+                <a:tc>
+                  <a:txBody>
+                    <a:bodyPr/>
+                    <a:lstStyle/>
+                    <a:p>
+                      <a:endParaRPr lang="en-US" dirty="0"/>
+                    </a:p>
+                  </a:txBody>
+                  <a:tcPr/>
+                </a:tc>
+                <a:tc>
+                  <a:txBody>
+                    <a:bodyPr/>
+                    <a:lstStyle/>
+                    <a:p>
+                      <a:endParaRPr lang="en-US" dirty="0"/>
+                    </a:p>
+                  </a:txBody>
+                  <a:tcPr/>
+                </a:tc>
+                <a:tc>
+                  <a:txBody>
+                    <a:bodyPr/>
+                    <a:lstStyle/>
+                    <a:p>
+                      <a:endParaRPr lang="en-US" dirty="0"/>
+                    </a:p>
+                  </a:txBody>
+                  <a:tcPr/>
+                </a:tc>
+                <a:tc>
+                  <a:txBody>
+                    <a:bodyPr/>
+                    <a:lstStyle/>
+                    <a:p>
+                      <a:endParaRPr lang="en-US" dirty="0"/>
+                    </a:p>
+                  </a:txBody>
+                  <a:tcPr/>
+                </a:tc>
+                <a:tc>
+                  <a:txBody>
+                    <a:bodyPr/>
+                    <a:lstStyle/>
+                    <a:p>
+                      <a:endParaRPr lang="en-US" dirty="0"/>
+                    </a:p>
+                  </a:txBody>
+                  <a:tcPr>
+                    <a:solidFill>
+                      <a:schemeClr val="tx1"/>
+                    </a:solidFill>
+                  </a:tcPr>
+                </a:tc>
+                <a:tc>
+                  <a:txBody>
+                    <a:bodyPr/>
+                    <a:lstStyle/>
+                    <a:p>
+                      <a:endParaRPr lang="en-US" dirty="0"/>
+                    </a:p>
+                  </a:txBody>
+                  <a:tcPr/>
+                </a:tc>
+                <a:tc>
+                  <a:txBody>
+                    <a:bodyPr/>
+                    <a:lstStyle/>
+                    <a:p>
+                      <a:endParaRPr lang="en-US" dirty="0"/>
+                    </a:p>
+                  </a:txBody>
+                  <a:tcPr/>
+                </a:tc>
+                <a:tc>
+                  <a:txBody>
+                    <a:bodyPr/>
+                    <a:lstStyle/>
+                    <a:p>
+                      <a:endParaRPr lang="en-US" dirty="0"/>
+                    </a:p>
+                  </a:txBody>
+                  <a:tcPr/>
+                </a:tc>
+                <a:tc>
+                  <a:txBody>
+                    <a:bodyPr/>
+                    <a:lstStyle/>
+                    <a:p>
+                      <a:endParaRPr lang="en-US" dirty="0"/>
+                    </a:p>
+                  </a:txBody>
+                  <a:tcPr/>
+                </a:tc>
+                <a:extLst>
+                  <a:ext uri="{0D108BD9-81ED-4DB2-BD59-A6C34878D82A}">
+                    <a16:rowId xmlns:a16="http://schemas.microsoft.com/office/drawing/2014/main" val="1667221291"/>
+                  </a:ext>
+                </a:extLst>
+              </a:tr>
+              <a:tr h="345825">
+                <a:tc>
+                  <a:txBody>
+                    <a:bodyPr/>
+                    <a:lstStyle/>
+                    <a:p>
+                      <a:endParaRPr lang="en-US"/>
+                    </a:p>
+                  </a:txBody>
+                  <a:tcPr/>
+                </a:tc>
+                <a:tc>
+                  <a:txBody>
+                    <a:bodyPr/>
+                    <a:lstStyle/>
+                    <a:p>
+                      <a:endParaRPr lang="en-US"/>
+                    </a:p>
+                  </a:txBody>
+                  <a:tcPr/>
+                </a:tc>
+                <a:tc>
+                  <a:txBody>
+                    <a:bodyPr/>
+                    <a:lstStyle/>
+                    <a:p>
+                      <a:endParaRPr lang="en-US"/>
+                    </a:p>
+                  </a:txBody>
+                  <a:tcPr/>
+                </a:tc>
+                <a:tc>
+                  <a:txBody>
+                    <a:bodyPr/>
+                    <a:lstStyle/>
+                    <a:p>
+                      <a:endParaRPr lang="en-US" dirty="0"/>
+                    </a:p>
+                  </a:txBody>
+                  <a:tcPr/>
+                </a:tc>
+                <a:tc>
+                  <a:txBody>
+                    <a:bodyPr/>
+                    <a:lstStyle/>
+                    <a:p>
+                      <a:endParaRPr lang="en-US"/>
+                    </a:p>
+                  </a:txBody>
+                  <a:tcPr/>
+                </a:tc>
+                <a:tc>
+                  <a:txBody>
+                    <a:bodyPr/>
+                    <a:lstStyle/>
+                    <a:p>
+                      <a:endParaRPr lang="en-US"/>
+                    </a:p>
+                  </a:txBody>
+                  <a:tcPr/>
+                </a:tc>
+                <a:tc>
+                  <a:txBody>
+                    <a:bodyPr/>
+                    <a:lstStyle/>
+                    <a:p>
+                      <a:endParaRPr lang="en-US"/>
+                    </a:p>
+                  </a:txBody>
+                  <a:tcPr/>
+                </a:tc>
+                <a:tc>
+                  <a:txBody>
+                    <a:bodyPr/>
+                    <a:lstStyle/>
+                    <a:p>
+                      <a:endParaRPr lang="en-US"/>
+                    </a:p>
+                  </a:txBody>
+                  <a:tcPr/>
+                </a:tc>
+                <a:tc>
+                  <a:txBody>
+                    <a:bodyPr/>
+                    <a:lstStyle/>
+                    <a:p>
+                      <a:endParaRPr lang="en-US"/>
+                    </a:p>
+                  </a:txBody>
+                  <a:tcPr/>
+                </a:tc>
+                <a:tc>
+                  <a:txBody>
+                    <a:bodyPr/>
+                    <a:lstStyle/>
+                    <a:p>
+                      <a:endParaRPr lang="en-US"/>
+                    </a:p>
+                  </a:txBody>
+                  <a:tcPr/>
+                </a:tc>
+                <a:tc>
+                  <a:txBody>
+                    <a:bodyPr/>
+                    <a:lstStyle/>
+                    <a:p>
+                      <a:endParaRPr lang="en-US"/>
+                    </a:p>
+                  </a:txBody>
+                  <a:tcPr/>
+                </a:tc>
+                <a:tc>
+                  <a:txBody>
+                    <a:bodyPr/>
+                    <a:lstStyle/>
+                    <a:p>
+                      <a:endParaRPr lang="en-US"/>
+                    </a:p>
+                  </a:txBody>
+                  <a:tcPr/>
+                </a:tc>
+                <a:tc>
+                  <a:txBody>
+                    <a:bodyPr/>
+                    <a:lstStyle/>
+                    <a:p>
+                      <a:endParaRPr lang="en-US"/>
+                    </a:p>
+                  </a:txBody>
+                  <a:tcPr/>
+                </a:tc>
+                <a:tc>
+                  <a:txBody>
+                    <a:bodyPr/>
+                    <a:lstStyle/>
+                    <a:p>
+                      <a:endParaRPr lang="en-US"/>
+                    </a:p>
+                  </a:txBody>
+                  <a:tcPr/>
+                </a:tc>
+                <a:tc>
+                  <a:txBody>
+                    <a:bodyPr/>
+                    <a:lstStyle/>
+                    <a:p>
+                      <a:endParaRPr lang="en-US"/>
+                    </a:p>
+                  </a:txBody>
+                  <a:tcPr/>
+                </a:tc>
+                <a:tc>
+                  <a:txBody>
+                    <a:bodyPr/>
+                    <a:lstStyle/>
+                    <a:p>
+                      <a:endParaRPr lang="en-US"/>
+                    </a:p>
+                  </a:txBody>
+                  <a:tcPr/>
+                </a:tc>
+                <a:tc>
+                  <a:txBody>
+                    <a:bodyPr/>
+                    <a:lstStyle/>
+                    <a:p>
+                      <a:endParaRPr lang="en-US"/>
+                    </a:p>
+                  </a:txBody>
+                  <a:tcPr/>
+                </a:tc>
+                <a:tc>
+                  <a:txBody>
+                    <a:bodyPr/>
+                    <a:lstStyle/>
+                    <a:p>
+                      <a:endParaRPr lang="en-US"/>
+                    </a:p>
+                  </a:txBody>
+                  <a:tcPr/>
+                </a:tc>
+                <a:extLst>
+                  <a:ext uri="{0D108BD9-81ED-4DB2-BD59-A6C34878D82A}">
+                    <a16:rowId xmlns:a16="http://schemas.microsoft.com/office/drawing/2014/main" val="4094933523"/>
+                  </a:ext>
+                </a:extLst>
+              </a:tr>
+              <a:tr h="345825">
+                <a:tc>
+                  <a:txBody>
+                    <a:bodyPr/>
+                    <a:lstStyle/>
+                    <a:p>
+                      <a:endParaRPr lang="en-US"/>
+                    </a:p>
+                  </a:txBody>
+                  <a:tcPr/>
+                </a:tc>
+                <a:tc>
+                  <a:txBody>
+                    <a:bodyPr/>
+                    <a:lstStyle/>
+                    <a:p>
+                      <a:endParaRPr lang="en-US"/>
+                    </a:p>
+                  </a:txBody>
+                  <a:tcPr/>
+                </a:tc>
+                <a:tc>
+                  <a:txBody>
+                    <a:bodyPr/>
+                    <a:lstStyle/>
+                    <a:p>
+                      <a:endParaRPr lang="en-US"/>
+                    </a:p>
+                  </a:txBody>
+                  <a:tcPr/>
+                </a:tc>
+                <a:tc>
+                  <a:txBody>
+                    <a:bodyPr/>
+                    <a:lstStyle/>
+                    <a:p>
+                      <a:endParaRPr lang="en-US" dirty="0"/>
+                    </a:p>
+                  </a:txBody>
+                  <a:tcPr/>
+                </a:tc>
+                <a:tc>
+                  <a:txBody>
+                    <a:bodyPr/>
+                    <a:lstStyle/>
+                    <a:p>
+                      <a:endParaRPr lang="en-US" dirty="0"/>
+                    </a:p>
+                  </a:txBody>
+                  <a:tcPr>
+                    <a:solidFill>
+                      <a:schemeClr val="tx1"/>
+                    </a:solidFill>
+                  </a:tcPr>
+                </a:tc>
+                <a:tc>
+                  <a:txBody>
+                    <a:bodyPr/>
+                    <a:lstStyle/>
+                    <a:p>
+                      <a:endParaRPr lang="en-US" dirty="0"/>
+                    </a:p>
+                  </a:txBody>
+                  <a:tcPr/>
+                </a:tc>
+                <a:tc>
+                  <a:txBody>
+                    <a:bodyPr/>
+                    <a:lstStyle/>
+                    <a:p>
+                      <a:endParaRPr lang="en-US" dirty="0"/>
+                    </a:p>
+                  </a:txBody>
+                  <a:tcPr/>
+                </a:tc>
+                <a:tc>
+                  <a:txBody>
+                    <a:bodyPr/>
+                    <a:lstStyle/>
+                    <a:p>
+                      <a:endParaRPr lang="en-US" dirty="0"/>
+                    </a:p>
+                  </a:txBody>
+                  <a:tcPr/>
+                </a:tc>
+                <a:tc>
+                  <a:txBody>
+                    <a:bodyPr/>
+                    <a:lstStyle/>
+                    <a:p>
+                      <a:endParaRPr lang="en-US" dirty="0"/>
+                    </a:p>
+                  </a:txBody>
+                  <a:tcPr/>
+                </a:tc>
+                <a:tc>
+                  <a:txBody>
+                    <a:bodyPr/>
+                    <a:lstStyle/>
+                    <a:p>
+                      <a:endParaRPr lang="en-US" dirty="0"/>
+                    </a:p>
+                  </a:txBody>
+                  <a:tcPr/>
+                </a:tc>
+                <a:tc>
+                  <a:txBody>
+                    <a:bodyPr/>
+                    <a:lstStyle/>
+                    <a:p>
+                      <a:endParaRPr lang="en-US" dirty="0"/>
+                    </a:p>
+                  </a:txBody>
+                  <a:tcPr/>
+                </a:tc>
+                <a:tc>
+                  <a:txBody>
+                    <a:bodyPr/>
+                    <a:lstStyle/>
+                    <a:p>
+                      <a:endParaRPr lang="en-US" dirty="0"/>
+                    </a:p>
+                  </a:txBody>
+                  <a:tcPr/>
+                </a:tc>
+                <a:tc>
+                  <a:txBody>
+                    <a:bodyPr/>
+                    <a:lstStyle/>
+                    <a:p>
+                      <a:endParaRPr lang="en-US" dirty="0"/>
+                    </a:p>
+                  </a:txBody>
+                  <a:tcPr>
+                    <a:solidFill>
+                      <a:schemeClr val="tx1"/>
+                    </a:solidFill>
+                  </a:tcPr>
+                </a:tc>
+                <a:tc>
+                  <a:txBody>
+                    <a:bodyPr/>
+                    <a:lstStyle/>
+                    <a:p>
+                      <a:endParaRPr lang="en-US"/>
+                    </a:p>
+                  </a:txBody>
+                  <a:tcPr/>
+                </a:tc>
+                <a:tc>
+                  <a:txBody>
+                    <a:bodyPr/>
+                    <a:lstStyle/>
+                    <a:p>
+                      <a:endParaRPr lang="en-US"/>
+                    </a:p>
+                  </a:txBody>
+                  <a:tcPr/>
+                </a:tc>
+                <a:tc>
+                  <a:txBody>
+                    <a:bodyPr/>
+                    <a:lstStyle/>
+                    <a:p>
+                      <a:endParaRPr lang="en-US"/>
+                    </a:p>
+                  </a:txBody>
+                  <a:tcPr/>
+                </a:tc>
+                <a:tc>
+                  <a:txBody>
+                    <a:bodyPr/>
+                    <a:lstStyle/>
+                    <a:p>
+                      <a:endParaRPr lang="en-US"/>
+                    </a:p>
+                  </a:txBody>
+                  <a:tcPr/>
+                </a:tc>
+                <a:tc>
+                  <a:txBody>
+                    <a:bodyPr/>
+                    <a:lstStyle/>
+                    <a:p>
+                      <a:endParaRPr lang="en-US"/>
+                    </a:p>
+                  </a:txBody>
+                  <a:tcPr/>
+                </a:tc>
+                <a:extLst>
+                  <a:ext uri="{0D108BD9-81ED-4DB2-BD59-A6C34878D82A}">
+                    <a16:rowId xmlns:a16="http://schemas.microsoft.com/office/drawing/2014/main" val="2017299241"/>
+                  </a:ext>
+                </a:extLst>
+              </a:tr>
+              <a:tr h="345825">
+                <a:tc>
+                  <a:txBody>
+                    <a:bodyPr/>
+                    <a:lstStyle/>
+                    <a:p>
+                      <a:endParaRPr lang="en-US"/>
+                    </a:p>
+                  </a:txBody>
+                  <a:tcPr/>
+                </a:tc>
+                <a:tc>
+                  <a:txBody>
+                    <a:bodyPr/>
+                    <a:lstStyle/>
+                    <a:p>
+                      <a:endParaRPr lang="en-US"/>
+                    </a:p>
+                  </a:txBody>
+                  <a:tcPr/>
+                </a:tc>
+                <a:tc>
+                  <a:txBody>
+                    <a:bodyPr/>
+                    <a:lstStyle/>
+                    <a:p>
+                      <a:endParaRPr lang="en-US"/>
+                    </a:p>
+                  </a:txBody>
+                  <a:tcPr/>
+                </a:tc>
+                <a:tc>
+                  <a:txBody>
+                    <a:bodyPr/>
+                    <a:lstStyle/>
+                    <a:p>
+                      <a:endParaRPr lang="en-US"/>
+                    </a:p>
+                  </a:txBody>
+                  <a:tcPr/>
+                </a:tc>
+                <a:tc>
+                  <a:txBody>
+                    <a:bodyPr/>
+                    <a:lstStyle/>
+                    <a:p>
+                      <a:endParaRPr lang="en-US"/>
+                    </a:p>
+                  </a:txBody>
+                  <a:tcPr/>
+                </a:tc>
+                <a:tc>
+                  <a:txBody>
+                    <a:bodyPr/>
+                    <a:lstStyle/>
+                    <a:p>
+                      <a:endParaRPr lang="en-US"/>
+                    </a:p>
+                  </a:txBody>
+                  <a:tcPr/>
+                </a:tc>
+                <a:tc>
+                  <a:txBody>
+                    <a:bodyPr/>
+                    <a:lstStyle/>
+                    <a:p>
+                      <a:endParaRPr lang="en-US"/>
+                    </a:p>
+                  </a:txBody>
+                  <a:tcPr/>
+                </a:tc>
+                <a:tc>
+                  <a:txBody>
+                    <a:bodyPr/>
+                    <a:lstStyle/>
+                    <a:p>
+                      <a:endParaRPr lang="en-US"/>
+                    </a:p>
+                  </a:txBody>
+                  <a:tcPr/>
+                </a:tc>
+                <a:tc>
+                  <a:txBody>
+                    <a:bodyPr/>
+                    <a:lstStyle/>
+                    <a:p>
+                      <a:endParaRPr lang="en-US"/>
+                    </a:p>
+                  </a:txBody>
+                  <a:tcPr/>
+                </a:tc>
+                <a:tc>
+                  <a:txBody>
+                    <a:bodyPr/>
+                    <a:lstStyle/>
+                    <a:p>
+                      <a:endParaRPr lang="en-US"/>
+                    </a:p>
+                  </a:txBody>
+                  <a:tcPr/>
+                </a:tc>
+                <a:tc>
+                  <a:txBody>
+                    <a:bodyPr/>
+                    <a:lstStyle/>
+                    <a:p>
+                      <a:endParaRPr lang="en-US" dirty="0"/>
+                    </a:p>
+                  </a:txBody>
+                  <a:tcPr>
+                    <a:solidFill>
+                      <a:schemeClr val="tx1"/>
+                    </a:solidFill>
+                  </a:tcPr>
+                </a:tc>
+                <a:tc>
+                  <a:txBody>
+                    <a:bodyPr/>
+                    <a:lstStyle/>
+                    <a:p>
+                      <a:endParaRPr lang="en-US"/>
+                    </a:p>
+                  </a:txBody>
+                  <a:tcPr/>
+                </a:tc>
+                <a:tc>
+                  <a:txBody>
+                    <a:bodyPr/>
+                    <a:lstStyle/>
+                    <a:p>
+                      <a:endParaRPr lang="en-US"/>
+                    </a:p>
+                  </a:txBody>
+                  <a:tcPr/>
+                </a:tc>
+                <a:tc>
+                  <a:txBody>
+                    <a:bodyPr/>
+                    <a:lstStyle/>
+                    <a:p>
+                      <a:endParaRPr lang="en-US"/>
+                    </a:p>
+                  </a:txBody>
+                  <a:tcPr/>
+                </a:tc>
+                <a:tc>
+                  <a:txBody>
+                    <a:bodyPr/>
+                    <a:lstStyle/>
+                    <a:p>
+                      <a:endParaRPr lang="en-US"/>
+                    </a:p>
+                  </a:txBody>
+                  <a:tcPr/>
+                </a:tc>
+                <a:tc>
+                  <a:txBody>
+                    <a:bodyPr/>
+                    <a:lstStyle/>
+                    <a:p>
+                      <a:endParaRPr lang="en-US"/>
+                    </a:p>
+                  </a:txBody>
+                  <a:tcPr/>
+                </a:tc>
+                <a:tc>
+                  <a:txBody>
+                    <a:bodyPr/>
+                    <a:lstStyle/>
+                    <a:p>
+                      <a:endParaRPr lang="en-US"/>
+                    </a:p>
+                  </a:txBody>
+                  <a:tcPr/>
+                </a:tc>
+                <a:tc>
+                  <a:txBody>
+                    <a:bodyPr/>
+                    <a:lstStyle/>
+                    <a:p>
+                      <a:endParaRPr lang="en-US"/>
+                    </a:p>
+                  </a:txBody>
+                  <a:tcPr/>
+                </a:tc>
+                <a:extLst>
+                  <a:ext uri="{0D108BD9-81ED-4DB2-BD59-A6C34878D82A}">
+                    <a16:rowId xmlns:a16="http://schemas.microsoft.com/office/drawing/2014/main" val="4042954979"/>
+                  </a:ext>
+                </a:extLst>
+              </a:tr>
+              <a:tr h="345825">
+                <a:tc>
+                  <a:txBody>
+                    <a:bodyPr/>
+                    <a:lstStyle/>
+                    <a:p>
+                      <a:endParaRPr lang="en-US"/>
+                    </a:p>
+                  </a:txBody>
+                  <a:tcPr/>
+                </a:tc>
+                <a:tc>
+                  <a:txBody>
+                    <a:bodyPr/>
+                    <a:lstStyle/>
+                    <a:p>
+                      <a:endParaRPr lang="en-US"/>
+                    </a:p>
+                  </a:txBody>
+                  <a:tcPr/>
+                </a:tc>
+                <a:tc>
+                  <a:txBody>
+                    <a:bodyPr/>
+                    <a:lstStyle/>
+                    <a:p>
+                      <a:endParaRPr lang="en-US"/>
+                    </a:p>
+                  </a:txBody>
+                  <a:tcPr/>
+                </a:tc>
+                <a:tc>
+                  <a:txBody>
+                    <a:bodyPr/>
+                    <a:lstStyle/>
+                    <a:p>
+                      <a:endParaRPr lang="en-US"/>
+                    </a:p>
+                  </a:txBody>
+                  <a:tcPr/>
+                </a:tc>
+                <a:tc>
+                  <a:txBody>
+                    <a:bodyPr/>
+                    <a:lstStyle/>
+                    <a:p>
+                      <a:endParaRPr lang="en-US"/>
+                    </a:p>
+                  </a:txBody>
+                  <a:tcPr/>
+                </a:tc>
+                <a:tc>
+                  <a:txBody>
+                    <a:bodyPr/>
+                    <a:lstStyle/>
+                    <a:p>
+                      <a:endParaRPr lang="en-US"/>
+                    </a:p>
+                  </a:txBody>
+                  <a:tcPr/>
+                </a:tc>
+                <a:tc>
+                  <a:txBody>
+                    <a:bodyPr/>
+                    <a:lstStyle/>
+                    <a:p>
+                      <a:endParaRPr lang="en-US"/>
+                    </a:p>
+                  </a:txBody>
+                  <a:tcPr/>
+                </a:tc>
+                <a:tc>
+                  <a:txBody>
+                    <a:bodyPr/>
+                    <a:lstStyle/>
+                    <a:p>
+                      <a:endParaRPr lang="en-US"/>
+                    </a:p>
+                  </a:txBody>
+                  <a:tcPr/>
+                </a:tc>
+                <a:tc>
+                  <a:txBody>
+                    <a:bodyPr/>
+                    <a:lstStyle/>
+                    <a:p>
+                      <a:endParaRPr lang="en-US"/>
+                    </a:p>
+                  </a:txBody>
+                  <a:tcPr/>
+                </a:tc>
+                <a:tc>
+                  <a:txBody>
+                    <a:bodyPr/>
+                    <a:lstStyle/>
+                    <a:p>
+                      <a:endParaRPr lang="en-US"/>
+                    </a:p>
+                  </a:txBody>
+                  <a:tcPr/>
+                </a:tc>
+                <a:tc>
+                  <a:txBody>
+                    <a:bodyPr/>
+                    <a:lstStyle/>
+                    <a:p>
+                      <a:endParaRPr lang="en-US" dirty="0"/>
+                    </a:p>
+                  </a:txBody>
+                  <a:tcPr/>
+                </a:tc>
+                <a:tc>
+                  <a:txBody>
+                    <a:bodyPr/>
+                    <a:lstStyle/>
+                    <a:p>
+                      <a:endParaRPr lang="en-US"/>
+                    </a:p>
+                  </a:txBody>
+                  <a:tcPr/>
+                </a:tc>
+                <a:tc>
+                  <a:txBody>
+                    <a:bodyPr/>
+                    <a:lstStyle/>
+                    <a:p>
+                      <a:endParaRPr lang="en-US"/>
+                    </a:p>
+                  </a:txBody>
+                  <a:tcPr/>
+                </a:tc>
+                <a:tc>
+                  <a:txBody>
+                    <a:bodyPr/>
+                    <a:lstStyle/>
+                    <a:p>
+                      <a:endParaRPr lang="en-US"/>
+                    </a:p>
+                  </a:txBody>
+                  <a:tcPr/>
+                </a:tc>
+                <a:tc>
+                  <a:txBody>
+                    <a:bodyPr/>
+                    <a:lstStyle/>
+                    <a:p>
+                      <a:endParaRPr lang="en-US"/>
+                    </a:p>
+                  </a:txBody>
+                  <a:tcPr/>
+                </a:tc>
+                <a:tc>
+                  <a:txBody>
+                    <a:bodyPr/>
+                    <a:lstStyle/>
+                    <a:p>
+                      <a:endParaRPr lang="en-US"/>
+                    </a:p>
+                  </a:txBody>
+                  <a:tcPr/>
+                </a:tc>
+                <a:tc>
+                  <a:txBody>
+                    <a:bodyPr/>
+                    <a:lstStyle/>
+                    <a:p>
+                      <a:endParaRPr lang="en-US"/>
+                    </a:p>
+                  </a:txBody>
+                  <a:tcPr/>
+                </a:tc>
+                <a:tc>
+                  <a:txBody>
+                    <a:bodyPr/>
+                    <a:lstStyle/>
+                    <a:p>
+                      <a:endParaRPr lang="en-US"/>
+                    </a:p>
+                  </a:txBody>
+                  <a:tcPr/>
+                </a:tc>
+                <a:extLst>
+                  <a:ext uri="{0D108BD9-81ED-4DB2-BD59-A6C34878D82A}">
+                    <a16:rowId xmlns:a16="http://schemas.microsoft.com/office/drawing/2014/main" val="3048974069"/>
+                  </a:ext>
+                </a:extLst>
+              </a:tr>
+              <a:tr h="345825">
+                <a:tc>
+                  <a:txBody>
+                    <a:bodyPr/>
+                    <a:lstStyle/>
+                    <a:p>
+                      <a:endParaRPr lang="en-US"/>
+                    </a:p>
+                  </a:txBody>
+                  <a:tcPr/>
+                </a:tc>
+                <a:tc>
+                  <a:txBody>
+                    <a:bodyPr/>
+                    <a:lstStyle/>
+                    <a:p>
+                      <a:endParaRPr lang="en-US"/>
+                    </a:p>
+                  </a:txBody>
+                  <a:tcPr/>
+                </a:tc>
+                <a:tc>
+                  <a:txBody>
+                    <a:bodyPr/>
+                    <a:lstStyle/>
+                    <a:p>
+                      <a:endParaRPr lang="en-US"/>
+                    </a:p>
+                  </a:txBody>
+                  <a:tcPr/>
+                </a:tc>
+                <a:tc>
+                  <a:txBody>
+                    <a:bodyPr/>
+                    <a:lstStyle/>
+                    <a:p>
+                      <a:endParaRPr lang="en-US"/>
+                    </a:p>
+                  </a:txBody>
+                  <a:tcPr/>
+                </a:tc>
+                <a:tc>
+                  <a:txBody>
+                    <a:bodyPr/>
+                    <a:lstStyle/>
+                    <a:p>
+                      <a:endParaRPr lang="en-US"/>
+                    </a:p>
+                  </a:txBody>
+                  <a:tcPr/>
+                </a:tc>
+                <a:tc>
+                  <a:txBody>
+                    <a:bodyPr/>
+                    <a:lstStyle/>
+                    <a:p>
+                      <a:endParaRPr lang="en-US"/>
+                    </a:p>
+                  </a:txBody>
+                  <a:tcPr/>
+                </a:tc>
+                <a:tc>
+                  <a:txBody>
+                    <a:bodyPr/>
+                    <a:lstStyle/>
+                    <a:p>
+                      <a:endParaRPr lang="en-US"/>
+                    </a:p>
+                  </a:txBody>
+                  <a:tcPr/>
+                </a:tc>
+                <a:tc>
+                  <a:txBody>
+                    <a:bodyPr/>
+                    <a:lstStyle/>
+                    <a:p>
+                      <a:endParaRPr lang="en-US"/>
+                    </a:p>
+                  </a:txBody>
+                  <a:tcPr/>
+                </a:tc>
+                <a:tc>
+                  <a:txBody>
+                    <a:bodyPr/>
+                    <a:lstStyle/>
+                    <a:p>
+                      <a:endParaRPr lang="en-US"/>
+                    </a:p>
+                  </a:txBody>
+                  <a:tcPr/>
+                </a:tc>
+                <a:tc>
+                  <a:txBody>
+                    <a:bodyPr/>
+                    <a:lstStyle/>
+                    <a:p>
+                      <a:endParaRPr lang="en-US"/>
+                    </a:p>
+                  </a:txBody>
+                  <a:tcPr/>
+                </a:tc>
+                <a:tc>
+                  <a:txBody>
+                    <a:bodyPr/>
+                    <a:lstStyle/>
+                    <a:p>
+                      <a:endParaRPr lang="en-US" dirty="0"/>
+                    </a:p>
+                  </a:txBody>
+                  <a:tcPr/>
+                </a:tc>
+                <a:tc>
+                  <a:txBody>
+                    <a:bodyPr/>
+                    <a:lstStyle/>
+                    <a:p>
+                      <a:endParaRPr lang="en-US"/>
+                    </a:p>
+                  </a:txBody>
+                  <a:tcPr/>
+                </a:tc>
+                <a:tc>
+                  <a:txBody>
+                    <a:bodyPr/>
+                    <a:lstStyle/>
+                    <a:p>
+                      <a:endParaRPr lang="en-US"/>
+                    </a:p>
+                  </a:txBody>
+                  <a:tcPr/>
+                </a:tc>
+                <a:tc>
+                  <a:txBody>
+                    <a:bodyPr/>
+                    <a:lstStyle/>
+                    <a:p>
+                      <a:endParaRPr lang="en-US"/>
+                    </a:p>
+                  </a:txBody>
+                  <a:tcPr/>
+                </a:tc>
+                <a:tc>
+                  <a:txBody>
+                    <a:bodyPr/>
+                    <a:lstStyle/>
+                    <a:p>
+                      <a:endParaRPr lang="en-US"/>
+                    </a:p>
+                  </a:txBody>
+                  <a:tcPr/>
+                </a:tc>
+                <a:tc>
+                  <a:txBody>
+                    <a:bodyPr/>
+                    <a:lstStyle/>
+                    <a:p>
+                      <a:endParaRPr lang="en-US"/>
+                    </a:p>
+                  </a:txBody>
+                  <a:tcPr/>
+                </a:tc>
+                <a:tc>
+                  <a:txBody>
+                    <a:bodyPr/>
+                    <a:lstStyle/>
+                    <a:p>
+                      <a:endParaRPr lang="en-US"/>
+                    </a:p>
+                  </a:txBody>
+                  <a:tcPr/>
+                </a:tc>
+                <a:tc>
+                  <a:txBody>
+                    <a:bodyPr/>
+                    <a:lstStyle/>
+                    <a:p>
+                      <a:endParaRPr lang="en-US"/>
+                    </a:p>
+                  </a:txBody>
+                  <a:tcPr/>
+                </a:tc>
+                <a:extLst>
+                  <a:ext uri="{0D108BD9-81ED-4DB2-BD59-A6C34878D82A}">
+                    <a16:rowId xmlns:a16="http://schemas.microsoft.com/office/drawing/2014/main" val="1271623846"/>
+                  </a:ext>
+                </a:extLst>
+              </a:tr>
+              <a:tr h="345825">
+                <a:tc>
+                  <a:txBody>
+                    <a:bodyPr/>
+                    <a:lstStyle/>
+                    <a:p>
+                      <a:endParaRPr lang="en-US"/>
+                    </a:p>
+                  </a:txBody>
+                  <a:tcPr/>
+                </a:tc>
+                <a:tc>
+                  <a:txBody>
+                    <a:bodyPr/>
+                    <a:lstStyle/>
+                    <a:p>
+                      <a:endParaRPr lang="en-US"/>
+                    </a:p>
+                  </a:txBody>
+                  <a:tcPr/>
+                </a:tc>
+                <a:tc>
+                  <a:txBody>
+                    <a:bodyPr/>
+                    <a:lstStyle/>
+                    <a:p>
+                      <a:endParaRPr lang="en-US"/>
+                    </a:p>
+                  </a:txBody>
+                  <a:tcPr/>
+                </a:tc>
+                <a:tc>
+                  <a:txBody>
+                    <a:bodyPr/>
+                    <a:lstStyle/>
+                    <a:p>
+                      <a:endParaRPr lang="en-US"/>
+                    </a:p>
+                  </a:txBody>
+                  <a:tcPr/>
+                </a:tc>
+                <a:tc>
+                  <a:txBody>
+                    <a:bodyPr/>
+                    <a:lstStyle/>
+                    <a:p>
+                      <a:endParaRPr lang="en-US"/>
+                    </a:p>
+                  </a:txBody>
+                  <a:tcPr/>
+                </a:tc>
+                <a:tc>
+                  <a:txBody>
+                    <a:bodyPr/>
+                    <a:lstStyle/>
+                    <a:p>
+                      <a:endParaRPr lang="en-US"/>
+                    </a:p>
+                  </a:txBody>
+                  <a:tcPr/>
+                </a:tc>
+                <a:tc>
+                  <a:txBody>
+                    <a:bodyPr/>
+                    <a:lstStyle/>
+                    <a:p>
+                      <a:endParaRPr lang="en-US"/>
+                    </a:p>
+                  </a:txBody>
+                  <a:tcPr/>
+                </a:tc>
+                <a:tc>
+                  <a:txBody>
+                    <a:bodyPr/>
+                    <a:lstStyle/>
+                    <a:p>
+                      <a:endParaRPr lang="en-US"/>
+                    </a:p>
+                  </a:txBody>
+                  <a:tcPr/>
+                </a:tc>
+                <a:tc>
+                  <a:txBody>
+                    <a:bodyPr/>
+                    <a:lstStyle/>
+                    <a:p>
+                      <a:endParaRPr lang="en-US"/>
+                    </a:p>
+                  </a:txBody>
+                  <a:tcPr/>
+                </a:tc>
+                <a:tc>
+                  <a:txBody>
+                    <a:bodyPr/>
+                    <a:lstStyle/>
+                    <a:p>
+                      <a:endParaRPr lang="en-US"/>
+                    </a:p>
+                  </a:txBody>
+                  <a:tcPr/>
+                </a:tc>
+                <a:tc>
+                  <a:txBody>
+                    <a:bodyPr/>
+                    <a:lstStyle/>
+                    <a:p>
+                      <a:endParaRPr lang="en-US" dirty="0"/>
+                    </a:p>
+                  </a:txBody>
+                  <a:tcPr>
+                    <a:solidFill>
+                      <a:schemeClr val="tx1"/>
+                    </a:solidFill>
+                  </a:tcPr>
+                </a:tc>
+                <a:tc>
+                  <a:txBody>
+                    <a:bodyPr/>
+                    <a:lstStyle/>
+                    <a:p>
+                      <a:endParaRPr lang="en-US"/>
+                    </a:p>
+                  </a:txBody>
+                  <a:tcPr/>
+                </a:tc>
+                <a:tc>
+                  <a:txBody>
+                    <a:bodyPr/>
+                    <a:lstStyle/>
+                    <a:p>
+                      <a:endParaRPr lang="en-US"/>
+                    </a:p>
+                  </a:txBody>
+                  <a:tcPr/>
+                </a:tc>
+                <a:tc>
+                  <a:txBody>
+                    <a:bodyPr/>
+                    <a:lstStyle/>
+                    <a:p>
+                      <a:endParaRPr lang="en-US"/>
+                    </a:p>
+                  </a:txBody>
+                  <a:tcPr/>
+                </a:tc>
+                <a:tc>
+                  <a:txBody>
+                    <a:bodyPr/>
+                    <a:lstStyle/>
+                    <a:p>
+                      <a:endParaRPr lang="en-US"/>
+                    </a:p>
+                  </a:txBody>
+                  <a:tcPr/>
+                </a:tc>
+                <a:tc>
+                  <a:txBody>
+                    <a:bodyPr/>
+                    <a:lstStyle/>
+                    <a:p>
+                      <a:endParaRPr lang="en-US"/>
+                    </a:p>
+                  </a:txBody>
+                  <a:tcPr/>
+                </a:tc>
+                <a:tc>
+                  <a:txBody>
+                    <a:bodyPr/>
+                    <a:lstStyle/>
+                    <a:p>
+                      <a:endParaRPr lang="en-US"/>
+                    </a:p>
+                  </a:txBody>
+                  <a:tcPr/>
+                </a:tc>
+                <a:tc>
+                  <a:txBody>
+                    <a:bodyPr/>
+                    <a:lstStyle/>
+                    <a:p>
+                      <a:endParaRPr lang="en-US"/>
+                    </a:p>
+                  </a:txBody>
+                  <a:tcPr/>
+                </a:tc>
+                <a:extLst>
+                  <a:ext uri="{0D108BD9-81ED-4DB2-BD59-A6C34878D82A}">
+                    <a16:rowId xmlns:a16="http://schemas.microsoft.com/office/drawing/2014/main" val="3273812995"/>
+                  </a:ext>
+                </a:extLst>
+              </a:tr>
+              <a:tr h="345825">
+                <a:tc>
+                  <a:txBody>
+                    <a:bodyPr/>
+                    <a:lstStyle/>
+                    <a:p>
+                      <a:endParaRPr lang="en-US"/>
+                    </a:p>
+                  </a:txBody>
+                  <a:tcPr/>
+                </a:tc>
+                <a:tc>
+                  <a:txBody>
+                    <a:bodyPr/>
+                    <a:lstStyle/>
+                    <a:p>
+                      <a:endParaRPr lang="en-US"/>
+                    </a:p>
+                  </a:txBody>
+                  <a:tcPr/>
+                </a:tc>
+                <a:tc>
+                  <a:txBody>
+                    <a:bodyPr/>
+                    <a:lstStyle/>
+                    <a:p>
+                      <a:endParaRPr lang="en-US"/>
+                    </a:p>
+                  </a:txBody>
+                  <a:tcPr/>
+                </a:tc>
+                <a:tc>
+                  <a:txBody>
+                    <a:bodyPr/>
+                    <a:lstStyle/>
+                    <a:p>
+                      <a:endParaRPr lang="en-US"/>
+                    </a:p>
+                  </a:txBody>
+                  <a:tcPr/>
+                </a:tc>
+                <a:tc>
+                  <a:txBody>
+                    <a:bodyPr/>
+                    <a:lstStyle/>
+                    <a:p>
+                      <a:endParaRPr lang="en-US"/>
+                    </a:p>
+                  </a:txBody>
+                  <a:tcPr/>
+                </a:tc>
+                <a:tc>
+                  <a:txBody>
+                    <a:bodyPr/>
+                    <a:lstStyle/>
+                    <a:p>
+                      <a:endParaRPr lang="en-US"/>
+                    </a:p>
+                  </a:txBody>
+                  <a:tcPr/>
+                </a:tc>
+                <a:tc>
+                  <a:txBody>
+                    <a:bodyPr/>
+                    <a:lstStyle/>
+                    <a:p>
+                      <a:endParaRPr lang="en-US"/>
+                    </a:p>
+                  </a:txBody>
+                  <a:tcPr/>
+                </a:tc>
+                <a:tc>
+                  <a:txBody>
+                    <a:bodyPr/>
+                    <a:lstStyle/>
+                    <a:p>
+                      <a:endParaRPr lang="en-US"/>
+                    </a:p>
+                  </a:txBody>
+                  <a:tcPr/>
+                </a:tc>
+                <a:tc>
+                  <a:txBody>
+                    <a:bodyPr/>
+                    <a:lstStyle/>
+                    <a:p>
+                      <a:endParaRPr lang="en-US"/>
+                    </a:p>
+                  </a:txBody>
+                  <a:tcPr/>
+                </a:tc>
+                <a:tc>
+                  <a:txBody>
+                    <a:bodyPr/>
+                    <a:lstStyle/>
+                    <a:p>
+                      <a:endParaRPr lang="en-US" dirty="0"/>
+                    </a:p>
+                  </a:txBody>
+                  <a:tcPr/>
+                </a:tc>
+                <a:tc>
+                  <a:txBody>
+                    <a:bodyPr/>
+                    <a:lstStyle/>
+                    <a:p>
+                      <a:endParaRPr lang="en-US" dirty="0"/>
+                    </a:p>
+                  </a:txBody>
+                  <a:tcPr/>
+                </a:tc>
+                <a:tc>
+                  <a:txBody>
+                    <a:bodyPr/>
+                    <a:lstStyle/>
+                    <a:p>
+                      <a:endParaRPr lang="en-US" dirty="0"/>
+                    </a:p>
+                  </a:txBody>
+                  <a:tcPr/>
+                </a:tc>
+                <a:tc>
+                  <a:txBody>
+                    <a:bodyPr/>
+                    <a:lstStyle/>
+                    <a:p>
+                      <a:endParaRPr lang="en-US" dirty="0"/>
+                    </a:p>
+                  </a:txBody>
+                  <a:tcPr/>
+                </a:tc>
+                <a:tc>
+                  <a:txBody>
+                    <a:bodyPr/>
+                    <a:lstStyle/>
+                    <a:p>
+                      <a:endParaRPr lang="en-US" dirty="0"/>
+                    </a:p>
+                  </a:txBody>
+                  <a:tcPr/>
+                </a:tc>
+                <a:tc>
+                  <a:txBody>
+                    <a:bodyPr/>
+                    <a:lstStyle/>
+                    <a:p>
+                      <a:endParaRPr lang="en-US" dirty="0"/>
+                    </a:p>
+                  </a:txBody>
+                  <a:tcPr/>
+                </a:tc>
+                <a:tc>
+                  <a:txBody>
+                    <a:bodyPr/>
+                    <a:lstStyle/>
+                    <a:p>
+                      <a:endParaRPr lang="en-US" dirty="0"/>
+                    </a:p>
+                  </a:txBody>
+                  <a:tcPr/>
+                </a:tc>
+                <a:tc>
+                  <a:txBody>
+                    <a:bodyPr/>
+                    <a:lstStyle/>
+                    <a:p>
+                      <a:endParaRPr lang="en-US" dirty="0"/>
+                    </a:p>
+                  </a:txBody>
+                  <a:tcPr/>
+                </a:tc>
+                <a:tc>
+                  <a:txBody>
+                    <a:bodyPr/>
+                    <a:lstStyle/>
+                    <a:p>
+                      <a:endParaRPr lang="en-US" dirty="0"/>
+                    </a:p>
+                  </a:txBody>
+                  <a:tcPr/>
+                </a:tc>
+                <a:extLst>
+                  <a:ext uri="{0D108BD9-81ED-4DB2-BD59-A6C34878D82A}">
+                    <a16:rowId xmlns:a16="http://schemas.microsoft.com/office/drawing/2014/main" val="3944292473"/>
+                  </a:ext>
+                </a:extLst>
+              </a:tr>
+            </a:tbl>
+          </a:graphicData>
+        </a:graphic>
+      </p:graphicFrame>
+      <p:sp>
+        <p:nvSpPr>
+          <p:cNvPr id="100" name="Arrow: Right 99">
+            <a:extLst>
+              <a:ext uri="{FF2B5EF4-FFF2-40B4-BE49-F238E27FC236}">
+                <a16:creationId xmlns:a16="http://schemas.microsoft.com/office/drawing/2014/main" id="{F8B3BAAD-000F-1DA6-F323-B6142485FE78}"/>
+              </a:ext>
+            </a:extLst>
+          </p:cNvPr>
+          <p:cNvSpPr/>
+          <p:nvPr/>
+        </p:nvSpPr>
+        <p:spPr>
+          <a:xfrm>
+            <a:off x="5541976" y="2652952"/>
+            <a:ext cx="464695" cy="1244183"/>
+          </a:xfrm>
+          <a:prstGeom prst="rightArrow">
+            <a:avLst/>
+          </a:prstGeom>
+          <a:solidFill>
+            <a:schemeClr val="tx1"/>
+          </a:solidFill>
+          <a:ln>
+            <a:solidFill>
+              <a:schemeClr val="tx1"/>
+            </a:solidFill>
+          </a:ln>
+        </p:spPr>
+        <p:style>
+          <a:lnRef idx="2">
+            <a:schemeClr val="accent1">
+              <a:shade val="50000"/>
+            </a:schemeClr>
+          </a:lnRef>
+          <a:fillRef idx="1">
+            <a:schemeClr val="accent1"/>
+          </a:fillRef>
+          <a:effectRef idx="0">
+            <a:schemeClr val="accent1"/>
+          </a:effectRef>
+          <a:fontRef idx="minor">
+            <a:schemeClr val="lt1"/>
+          </a:fontRef>
+        </p:style>
+        <p:txBody>
+          <a:bodyPr rtlCol="0" anchor="ctr"/>
+          <a:lstStyle/>
+          <a:p>
+            <a:pPr algn="ctr"/>
+            <a:endParaRPr lang="en-US"/>
+          </a:p>
+        </p:txBody>
+      </p:sp>
+    </p:spTree>
+    <p:extLst>
+      <p:ext uri="{BB962C8B-B14F-4D97-AF65-F5344CB8AC3E}">
+        <p14:creationId xmlns:p14="http://schemas.microsoft.com/office/powerpoint/2010/main" val="2971266815"/>
+      </p:ext>
+    </p:extLst>
+  </p:cSld>
+  <p:clrMapOvr>
+    <a:masterClrMapping/>
+  </p:clrMapOvr>
+</p:sld>
+</file>
+
+<file path=ppt/slides/slide4.xml><?xml version="1.0" encoding="utf-8"?>
+<p:sld xmlns:a="http://schemas.openxmlformats.org/drawingml/2006/main" xmlns:r="http://schemas.openxmlformats.org/officeDocument/2006/relationships" xmlns:p="http://schemas.openxmlformats.org/presentationml/2006/main">
+  <p:cSld>
+    <p:spTree>
+      <p:nvGrpSpPr>
+        <p:cNvPr id="1" name=""/>
+        <p:cNvGrpSpPr/>
+        <p:nvPr/>
+      </p:nvGrpSpPr>
+      <p:grpSpPr>
+        <a:xfrm>
+          <a:off x="0" y="0"/>
+          <a:ext cx="0" cy="0"/>
+          <a:chOff x="0" y="0"/>
+          <a:chExt cx="0" cy="0"/>
+        </a:xfrm>
+      </p:grpSpPr>
+      <p:pic>
+        <p:nvPicPr>
+          <p:cNvPr id="5" name="Picture 4">
+            <a:extLst>
+              <a:ext uri="{FF2B5EF4-FFF2-40B4-BE49-F238E27FC236}">
+                <a16:creationId xmlns:a16="http://schemas.microsoft.com/office/drawing/2014/main" id="{E1ACC19F-5506-23FD-419C-D34C182CEA17}"/>
+              </a:ext>
+            </a:extLst>
+          </p:cNvPr>
+          <p:cNvPicPr>
+            <a:picLocks noChangeAspect="1"/>
+          </p:cNvPicPr>
+          <p:nvPr/>
+        </p:nvPicPr>
+        <p:blipFill rotWithShape="1">
+          <a:blip r:embed="rId2"/>
+          <a:srcRect l="17278" t="17384" r="48830" b="22363"/>
+          <a:stretch/>
+        </p:blipFill>
+        <p:spPr>
+          <a:xfrm rot="5400000">
+            <a:off x="879676" y="523755"/>
+            <a:ext cx="5810490" cy="5810490"/>
+          </a:xfrm>
+          <a:prstGeom prst="rect">
+            <a:avLst/>
+          </a:prstGeom>
+        </p:spPr>
+      </p:pic>
+    </p:spTree>
+    <p:extLst>
+      <p:ext uri="{BB962C8B-B14F-4D97-AF65-F5344CB8AC3E}">
+        <p14:creationId xmlns:p14="http://schemas.microsoft.com/office/powerpoint/2010/main" val="1017879831"/>
+      </p:ext>
+    </p:extLst>
+  </p:cSld>
+  <p:clrMapOvr>
+    <a:masterClrMapping/>
+  </p:clrMapOvr>
+</p:sld>
+</file>
+
+<file path=ppt/slides/slide5.xml><?xml version="1.0" encoding="utf-8"?>
+<p:sld xmlns:a="http://schemas.openxmlformats.org/drawingml/2006/main" xmlns:r="http://schemas.openxmlformats.org/officeDocument/2006/relationships" xmlns:p="http://schemas.openxmlformats.org/presentationml/2006/main">
+  <p:cSld>
+    <p:spTree>
+      <p:nvGrpSpPr>
+        <p:cNvPr id="1" name=""/>
+        <p:cNvGrpSpPr/>
+        <p:nvPr/>
+      </p:nvGrpSpPr>
+      <p:grpSpPr>
+        <a:xfrm>
+          <a:off x="0" y="0"/>
+          <a:ext cx="0" cy="0"/>
+          <a:chOff x="0" y="0"/>
+          <a:chExt cx="0" cy="0"/>
+        </a:xfrm>
+      </p:grpSpPr>
+      <p:sp>
+        <p:nvSpPr>
+          <p:cNvPr id="2" name="Title 1">
+            <a:extLst>
+              <a:ext uri="{FF2B5EF4-FFF2-40B4-BE49-F238E27FC236}">
+                <a16:creationId xmlns:a16="http://schemas.microsoft.com/office/drawing/2014/main" id="{AD512D99-B8B1-DBFD-1970-D80A09512A23}"/>
+              </a:ext>
+            </a:extLst>
+          </p:cNvPr>
+          <p:cNvSpPr>
+            <a:spLocks noGrp="1"/>
+          </p:cNvSpPr>
+          <p:nvPr>
+            <p:ph type="title"/>
+          </p:nvPr>
+        </p:nvSpPr>
+        <p:spPr/>
+        <p:txBody>
+          <a:bodyPr/>
+          <a:lstStyle/>
+          <a:p>
+            <a:endParaRPr lang="en-US"/>
+          </a:p>
+        </p:txBody>
+      </p:sp>
+      <p:sp>
+        <p:nvSpPr>
+          <p:cNvPr id="3" name="Content Placeholder 2">
+            <a:extLst>
+              <a:ext uri="{FF2B5EF4-FFF2-40B4-BE49-F238E27FC236}">
+                <a16:creationId xmlns:a16="http://schemas.microsoft.com/office/drawing/2014/main" id="{C865E2C3-AC2C-38E9-851C-04034D7BB41C}"/>
+              </a:ext>
+            </a:extLst>
+          </p:cNvPr>
+          <p:cNvSpPr>
+            <a:spLocks noGrp="1"/>
+          </p:cNvSpPr>
+          <p:nvPr>
+            <p:ph idx="1"/>
+          </p:nvPr>
+        </p:nvSpPr>
+        <p:spPr/>
+        <p:txBody>
+          <a:bodyPr/>
+          <a:lstStyle/>
+          <a:p>
+            <a:endParaRPr lang="en-US"/>
+          </a:p>
+        </p:txBody>
+      </p:sp>
+    </p:spTree>
+    <p:extLst>
+      <p:ext uri="{BB962C8B-B14F-4D97-AF65-F5344CB8AC3E}">
+        <p14:creationId xmlns:p14="http://schemas.microsoft.com/office/powerpoint/2010/main" val="2436940256"/>
+      </p:ext>
+    </p:extLst>
+  </p:cSld>
+  <p:clrMapOvr>
+    <a:masterClrMapping/>
+  </p:clrMapOvr>
+</p:sld>
+</file>
+
 <file path=ppt/theme/theme1.xml><?xml version="1.0" encoding="utf-8"?>
 <a:theme xmlns:a="http://schemas.openxmlformats.org/drawingml/2006/main" name="Office Theme">
   <a:themeElements>

--- a/figures/figures.pptx
+++ b/figures/figures.pptx
@@ -10,6 +10,7 @@
     <p:sldId id="258" r:id="rId4"/>
     <p:sldId id="259" r:id="rId5"/>
     <p:sldId id="260" r:id="rId6"/>
+    <p:sldId id="261" r:id="rId7"/>
   </p:sldIdLst>
   <p:sldSz cx="12192000" cy="6858000"/>
   <p:notesSz cx="6858000" cy="9144000"/>
@@ -263,7 +264,7 @@
           <a:p>
             <a:fld id="{54F0A875-2A86-4DEA-AAFE-189334BF2836}" type="datetimeFigureOut">
               <a:rPr lang="en-US" smtClean="0"/>
-              <a:t>4/8/2023</a:t>
+              <a:t>4/15/2023</a:t>
             </a:fld>
             <a:endParaRPr lang="en-US"/>
           </a:p>
@@ -461,7 +462,7 @@
           <a:p>
             <a:fld id="{54F0A875-2A86-4DEA-AAFE-189334BF2836}" type="datetimeFigureOut">
               <a:rPr lang="en-US" smtClean="0"/>
-              <a:t>4/8/2023</a:t>
+              <a:t>4/15/2023</a:t>
             </a:fld>
             <a:endParaRPr lang="en-US"/>
           </a:p>
@@ -669,7 +670,7 @@
           <a:p>
             <a:fld id="{54F0A875-2A86-4DEA-AAFE-189334BF2836}" type="datetimeFigureOut">
               <a:rPr lang="en-US" smtClean="0"/>
-              <a:t>4/8/2023</a:t>
+              <a:t>4/15/2023</a:t>
             </a:fld>
             <a:endParaRPr lang="en-US"/>
           </a:p>
@@ -867,7 +868,7 @@
           <a:p>
             <a:fld id="{54F0A875-2A86-4DEA-AAFE-189334BF2836}" type="datetimeFigureOut">
               <a:rPr lang="en-US" smtClean="0"/>
-              <a:t>4/8/2023</a:t>
+              <a:t>4/15/2023</a:t>
             </a:fld>
             <a:endParaRPr lang="en-US"/>
           </a:p>
@@ -1142,7 +1143,7 @@
           <a:p>
             <a:fld id="{54F0A875-2A86-4DEA-AAFE-189334BF2836}" type="datetimeFigureOut">
               <a:rPr lang="en-US" smtClean="0"/>
-              <a:t>4/8/2023</a:t>
+              <a:t>4/15/2023</a:t>
             </a:fld>
             <a:endParaRPr lang="en-US"/>
           </a:p>
@@ -1407,7 +1408,7 @@
           <a:p>
             <a:fld id="{54F0A875-2A86-4DEA-AAFE-189334BF2836}" type="datetimeFigureOut">
               <a:rPr lang="en-US" smtClean="0"/>
-              <a:t>4/8/2023</a:t>
+              <a:t>4/15/2023</a:t>
             </a:fld>
             <a:endParaRPr lang="en-US"/>
           </a:p>
@@ -1819,7 +1820,7 @@
           <a:p>
             <a:fld id="{54F0A875-2A86-4DEA-AAFE-189334BF2836}" type="datetimeFigureOut">
               <a:rPr lang="en-US" smtClean="0"/>
-              <a:t>4/8/2023</a:t>
+              <a:t>4/15/2023</a:t>
             </a:fld>
             <a:endParaRPr lang="en-US"/>
           </a:p>
@@ -1960,7 +1961,7 @@
           <a:p>
             <a:fld id="{54F0A875-2A86-4DEA-AAFE-189334BF2836}" type="datetimeFigureOut">
               <a:rPr lang="en-US" smtClean="0"/>
-              <a:t>4/8/2023</a:t>
+              <a:t>4/15/2023</a:t>
             </a:fld>
             <a:endParaRPr lang="en-US"/>
           </a:p>
@@ -2073,7 +2074,7 @@
           <a:p>
             <a:fld id="{54F0A875-2A86-4DEA-AAFE-189334BF2836}" type="datetimeFigureOut">
               <a:rPr lang="en-US" smtClean="0"/>
-              <a:t>4/8/2023</a:t>
+              <a:t>4/15/2023</a:t>
             </a:fld>
             <a:endParaRPr lang="en-US"/>
           </a:p>
@@ -2384,7 +2385,7 @@
           <a:p>
             <a:fld id="{54F0A875-2A86-4DEA-AAFE-189334BF2836}" type="datetimeFigureOut">
               <a:rPr lang="en-US" smtClean="0"/>
-              <a:t>4/8/2023</a:t>
+              <a:t>4/15/2023</a:t>
             </a:fld>
             <a:endParaRPr lang="en-US"/>
           </a:p>
@@ -2672,7 +2673,7 @@
           <a:p>
             <a:fld id="{54F0A875-2A86-4DEA-AAFE-189334BF2836}" type="datetimeFigureOut">
               <a:rPr lang="en-US" smtClean="0"/>
-              <a:t>4/8/2023</a:t>
+              <a:t>4/15/2023</a:t>
             </a:fld>
             <a:endParaRPr lang="en-US"/>
           </a:p>
@@ -2913,7 +2914,7 @@
           <a:p>
             <a:fld id="{54F0A875-2A86-4DEA-AAFE-189334BF2836}" type="datetimeFigureOut">
               <a:rPr lang="en-US" smtClean="0"/>
-              <a:t>4/8/2023</a:t>
+              <a:t>4/15/2023</a:t>
             </a:fld>
             <a:endParaRPr lang="en-US"/>
           </a:p>
@@ -8030,51 +8031,134 @@
       </p:grpSpPr>
       <p:sp>
         <p:nvSpPr>
-          <p:cNvPr id="2" name="Title 1">
-            <a:extLst>
-              <a:ext uri="{FF2B5EF4-FFF2-40B4-BE49-F238E27FC236}">
-                <a16:creationId xmlns:a16="http://schemas.microsoft.com/office/drawing/2014/main" id="{AD512D99-B8B1-DBFD-1970-D80A09512A23}"/>
-              </a:ext>
-            </a:extLst>
-          </p:cNvPr>
-          <p:cNvSpPr>
-            <a:spLocks noGrp="1"/>
-          </p:cNvSpPr>
-          <p:nvPr>
-            <p:ph type="title"/>
-          </p:nvPr>
+          <p:cNvPr id="43" name="Rectangle 42">
+            <a:extLst>
+              <a:ext uri="{FF2B5EF4-FFF2-40B4-BE49-F238E27FC236}">
+                <a16:creationId xmlns:a16="http://schemas.microsoft.com/office/drawing/2014/main" id="{EAEA8FD3-CB29-4271-FA63-9AA5DA9DB9CA}"/>
+              </a:ext>
+            </a:extLst>
+          </p:cNvPr>
+          <p:cNvSpPr/>
+          <p:nvPr/>
         </p:nvSpPr>
-        <p:spPr/>
+        <p:spPr>
+          <a:xfrm>
+            <a:off x="804761" y="1917441"/>
+            <a:ext cx="3275045" cy="3023118"/>
+          </a:xfrm>
+          <a:prstGeom prst="rect">
+            <a:avLst/>
+          </a:prstGeom>
+        </p:spPr>
+        <p:style>
+          <a:lnRef idx="2">
+            <a:schemeClr val="accent1">
+              <a:shade val="50000"/>
+            </a:schemeClr>
+          </a:lnRef>
+          <a:fillRef idx="1">
+            <a:schemeClr val="accent1"/>
+          </a:fillRef>
+          <a:effectRef idx="0">
+            <a:schemeClr val="accent1"/>
+          </a:effectRef>
+          <a:fontRef idx="minor">
+            <a:schemeClr val="lt1"/>
+          </a:fontRef>
+        </p:style>
         <p:txBody>
-          <a:bodyPr/>
+          <a:bodyPr rtlCol="0" anchor="ctr"/>
           <a:lstStyle/>
           <a:p>
-            <a:endParaRPr lang="en-US"/>
+            <a:pPr algn="ctr"/>
+            <a:r>
+              <a:rPr lang="zh-CN" altLang="en-US" dirty="0"/>
+              <a:t>卫星图</a:t>
+            </a:r>
+            <a:endParaRPr lang="en-US" dirty="0"/>
           </a:p>
         </p:txBody>
       </p:sp>
+      <p:pic>
+        <p:nvPicPr>
+          <p:cNvPr id="44" name="Picture 43">
+            <a:extLst>
+              <a:ext uri="{FF2B5EF4-FFF2-40B4-BE49-F238E27FC236}">
+                <a16:creationId xmlns:a16="http://schemas.microsoft.com/office/drawing/2014/main" id="{C17A055F-F9E0-3107-F09A-4B255481915E}"/>
+              </a:ext>
+            </a:extLst>
+          </p:cNvPr>
+          <p:cNvPicPr>
+            <a:picLocks noChangeAspect="1"/>
+          </p:cNvPicPr>
+          <p:nvPr/>
+        </p:nvPicPr>
+        <p:blipFill rotWithShape="1">
+          <a:blip r:embed="rId2"/>
+          <a:srcRect l="24131" t="18095" r="33164" b="9116"/>
+          <a:stretch/>
+        </p:blipFill>
+        <p:spPr>
+          <a:xfrm>
+            <a:off x="6273282" y="886408"/>
+            <a:ext cx="5206482" cy="4991878"/>
+          </a:xfrm>
+          <a:prstGeom prst="rect">
+            <a:avLst/>
+          </a:prstGeom>
+        </p:spPr>
+      </p:pic>
       <p:sp>
         <p:nvSpPr>
-          <p:cNvPr id="3" name="Content Placeholder 2">
-            <a:extLst>
-              <a:ext uri="{FF2B5EF4-FFF2-40B4-BE49-F238E27FC236}">
-                <a16:creationId xmlns:a16="http://schemas.microsoft.com/office/drawing/2014/main" id="{C865E2C3-AC2C-38E9-851C-04034D7BB41C}"/>
-              </a:ext>
-            </a:extLst>
-          </p:cNvPr>
-          <p:cNvSpPr>
-            <a:spLocks noGrp="1"/>
-          </p:cNvSpPr>
-          <p:nvPr>
-            <p:ph idx="1"/>
-          </p:nvPr>
+          <p:cNvPr id="45" name="Arrow: Right 44">
+            <a:extLst>
+              <a:ext uri="{FF2B5EF4-FFF2-40B4-BE49-F238E27FC236}">
+                <a16:creationId xmlns:a16="http://schemas.microsoft.com/office/drawing/2014/main" id="{6D375FB3-9168-9799-AB85-CC9C136E19B4}"/>
+              </a:ext>
+            </a:extLst>
+          </p:cNvPr>
+          <p:cNvSpPr/>
+          <p:nvPr/>
         </p:nvSpPr>
-        <p:spPr/>
+        <p:spPr>
+          <a:xfrm>
+            <a:off x="5038123" y="2652952"/>
+            <a:ext cx="464695" cy="1244183"/>
+          </a:xfrm>
+          <a:prstGeom prst="rightArrow">
+            <a:avLst/>
+          </a:prstGeom>
+          <a:solidFill>
+            <a:schemeClr val="accent6"/>
+          </a:solidFill>
+          <a:ln>
+            <a:solidFill>
+              <a:schemeClr val="accent6"/>
+            </a:solidFill>
+          </a:ln>
+        </p:spPr>
+        <p:style>
+          <a:lnRef idx="2">
+            <a:schemeClr val="accent1">
+              <a:shade val="50000"/>
+            </a:schemeClr>
+          </a:lnRef>
+          <a:fillRef idx="1">
+            <a:schemeClr val="accent1"/>
+          </a:fillRef>
+          <a:effectRef idx="0">
+            <a:schemeClr val="accent1"/>
+          </a:effectRef>
+          <a:fontRef idx="minor">
+            <a:schemeClr val="lt1"/>
+          </a:fontRef>
+        </p:style>
         <p:txBody>
-          <a:bodyPr/>
+          <a:bodyPr rtlCol="0" anchor="ctr"/>
           <a:lstStyle/>
           <a:p>
-            <a:endParaRPr lang="en-US"/>
+            <a:pPr algn="ctr"/>
+            <a:endParaRPr lang="en-US" dirty="0"/>
           </a:p>
         </p:txBody>
       </p:sp>
@@ -8082,6 +8166,65 @@
     <p:extLst>
       <p:ext uri="{BB962C8B-B14F-4D97-AF65-F5344CB8AC3E}">
         <p14:creationId xmlns:p14="http://schemas.microsoft.com/office/powerpoint/2010/main" val="2436940256"/>
+      </p:ext>
+    </p:extLst>
+  </p:cSld>
+  <p:clrMapOvr>
+    <a:masterClrMapping/>
+  </p:clrMapOvr>
+</p:sld>
+</file>
+
+<file path=ppt/slides/slide6.xml><?xml version="1.0" encoding="utf-8"?>
+<p:sld xmlns:a="http://schemas.openxmlformats.org/drawingml/2006/main" xmlns:r="http://schemas.openxmlformats.org/officeDocument/2006/relationships" xmlns:p="http://schemas.openxmlformats.org/presentationml/2006/main">
+  <p:cSld>
+    <p:spTree>
+      <p:nvGrpSpPr>
+        <p:cNvPr id="1" name=""/>
+        <p:cNvGrpSpPr/>
+        <p:nvPr/>
+      </p:nvGrpSpPr>
+      <p:grpSpPr>
+        <a:xfrm>
+          <a:off x="0" y="0"/>
+          <a:ext cx="0" cy="0"/>
+          <a:chOff x="0" y="0"/>
+          <a:chExt cx="0" cy="0"/>
+        </a:xfrm>
+      </p:grpSpPr>
+      <p:pic>
+        <p:nvPicPr>
+          <p:cNvPr id="5" name="Picture 4">
+            <a:extLst>
+              <a:ext uri="{FF2B5EF4-FFF2-40B4-BE49-F238E27FC236}">
+                <a16:creationId xmlns:a16="http://schemas.microsoft.com/office/drawing/2014/main" id="{CAFF2D48-2DDF-D8CE-B977-89DC69A2D7F0}"/>
+              </a:ext>
+            </a:extLst>
+          </p:cNvPr>
+          <p:cNvPicPr>
+            <a:picLocks noChangeAspect="1"/>
+          </p:cNvPicPr>
+          <p:nvPr/>
+        </p:nvPicPr>
+        <p:blipFill rotWithShape="1">
+          <a:blip r:embed="rId2"/>
+          <a:srcRect r="892" b="7756"/>
+          <a:stretch/>
+        </p:blipFill>
+        <p:spPr>
+          <a:xfrm>
+            <a:off x="108857" y="121298"/>
+            <a:ext cx="12083143" cy="6326155"/>
+          </a:xfrm>
+          <a:prstGeom prst="rect">
+            <a:avLst/>
+          </a:prstGeom>
+        </p:spPr>
+      </p:pic>
+    </p:spTree>
+    <p:extLst>
+      <p:ext uri="{BB962C8B-B14F-4D97-AF65-F5344CB8AC3E}">
+        <p14:creationId xmlns:p14="http://schemas.microsoft.com/office/powerpoint/2010/main" val="3569542871"/>
       </p:ext>
     </p:extLst>
   </p:cSld>
